--- a/宣道詩/(宣道詩261) 聖餐.pptx
+++ b/宣道詩/(宣道詩261) 聖餐.pptx
@@ -5,17 +5,23 @@
     <p:sldMasterId id="2147483660" r:id="rId1"/>
   </p:sldMasterIdLst>
   <p:notesMasterIdLst>
-    <p:notesMasterId r:id="rId7"/>
+    <p:notesMasterId r:id="rId13"/>
   </p:notesMasterIdLst>
   <p:handoutMasterIdLst>
-    <p:handoutMasterId r:id="rId8"/>
+    <p:handoutMasterId r:id="rId14"/>
   </p:handoutMasterIdLst>
   <p:sldIdLst>
-    <p:sldId id="1601" r:id="rId2"/>
-    <p:sldId id="1602" r:id="rId3"/>
-    <p:sldId id="1603" r:id="rId4"/>
-    <p:sldId id="1604" r:id="rId5"/>
-    <p:sldId id="1605" r:id="rId6"/>
+    <p:sldId id="1606" r:id="rId2"/>
+    <p:sldId id="1607" r:id="rId3"/>
+    <p:sldId id="1608" r:id="rId4"/>
+    <p:sldId id="1609" r:id="rId5"/>
+    <p:sldId id="1610" r:id="rId6"/>
+    <p:sldId id="1611" r:id="rId7"/>
+    <p:sldId id="1612" r:id="rId8"/>
+    <p:sldId id="1613" r:id="rId9"/>
+    <p:sldId id="1614" r:id="rId10"/>
+    <p:sldId id="1615" r:id="rId11"/>
+    <p:sldId id="1616" r:id="rId12"/>
   </p:sldIdLst>
   <p:sldSz cx="12192000" cy="6858000"/>
   <p:notesSz cx="6858000" cy="9144000"/>
@@ -3721,235 +3727,140 @@
       </p:grpSpPr>
       <p:sp>
         <p:nvSpPr>
-          <p:cNvPr id="4" name="Title 3"/>
+          <p:cNvPr id="4" name="標題 3"/>
           <p:cNvSpPr>
             <a:spLocks noGrp="1"/>
           </p:cNvSpPr>
           <p:nvPr>
             <p:ph type="title"/>
-          </p:nvPr>
-        </p:nvSpPr>
-        <p:spPr/>
-        <p:txBody>
-          <a:bodyPr>
-            <a:normAutofit/>
-          </a:bodyPr>
-          <a:lstStyle/>
-          <a:p>
-            <a:r>
-              <a:rPr lang="en-US" altLang="zh-CN" sz="4800" b="1" dirty="0">
-                <a:solidFill>
-                  <a:srgbClr val="002060"/>
-                </a:solidFill>
-                <a:latin typeface="Microsoft JhengHei" panose="020B0604030504040204" pitchFamily="34" charset="-120"/>
-                <a:ea typeface="Microsoft JhengHei" panose="020B0604030504040204" pitchFamily="34" charset="-120"/>
-              </a:rPr>
-              <a:t>【</a:t>
-            </a:r>
-            <a:r>
-              <a:rPr lang="zh-CN" altLang="en-US" sz="4800" b="1" dirty="0">
-                <a:solidFill>
-                  <a:srgbClr val="002060"/>
-                </a:solidFill>
-                <a:latin typeface="Microsoft JhengHei" panose="020B0604030504040204" pitchFamily="34" charset="-120"/>
-                <a:ea typeface="Microsoft JhengHei" panose="020B0604030504040204" pitchFamily="34" charset="-120"/>
-              </a:rPr>
-              <a:t>聖餐</a:t>
-            </a:r>
-            <a:r>
-              <a:rPr lang="en-US" altLang="zh-CN" sz="4800" b="1" dirty="0">
-                <a:solidFill>
-                  <a:srgbClr val="002060"/>
-                </a:solidFill>
-                <a:latin typeface="Microsoft JhengHei" panose="020B0604030504040204" pitchFamily="34" charset="-120"/>
-                <a:ea typeface="Microsoft JhengHei" panose="020B0604030504040204" pitchFamily="34" charset="-120"/>
-              </a:rPr>
-              <a:t>】</a:t>
-            </a:r>
-          </a:p>
-        </p:txBody>
-      </p:sp>
-      <p:sp>
-        <p:nvSpPr>
-          <p:cNvPr id="5" name="Content Placeholder 4"/>
-          <p:cNvSpPr>
-            <a:spLocks noGrp="1"/>
-          </p:cNvSpPr>
-          <p:nvPr>
-            <p:ph idx="1"/>
           </p:nvPr>
         </p:nvSpPr>
         <p:spPr>
           <a:xfrm>
-            <a:off x="0" y="1600203"/>
-            <a:ext cx="12192000" cy="5257797"/>
+            <a:off x="0" y="2857513"/>
+            <a:ext cx="12192000" cy="1143000"/>
           </a:xfrm>
         </p:spPr>
         <p:txBody>
           <a:bodyPr>
-            <a:normAutofit/>
+            <a:noAutofit/>
           </a:bodyPr>
           <a:lstStyle/>
           <a:p>
-            <a:pPr marL="0" indent="0" algn="ctr">
-              <a:buNone/>
-            </a:pPr>
-            <a:r>
-              <a:rPr lang="zh-CN" altLang="zh-TW" sz="5400" b="1" dirty="0">
-                <a:solidFill>
-                  <a:srgbClr val="002060"/>
-                </a:solidFill>
-                <a:latin typeface="Microsoft JhengHei" panose="020B0604030504040204" pitchFamily="34" charset="-120"/>
-                <a:ea typeface="Microsoft JhengHei" panose="020B0604030504040204" pitchFamily="34" charset="-120"/>
+            <a:r>
+              <a:rPr lang="zh-CN" altLang="en-US" sz="5333" b="1" u="sng" dirty="0">
+                <a:solidFill>
+                  <a:srgbClr val="660033"/>
+                </a:solidFill>
+                <a:effectLst>
+                  <a:outerShdw blurRad="38100" dist="38100" dir="2700000" algn="tl">
+                    <a:srgbClr val="000000">
+                      <a:alpha val="43137"/>
+                    </a:srgbClr>
+                  </a:outerShdw>
+                </a:effectLst>
+                <a:latin typeface="微軟正黑體" pitchFamily="34" charset="-120"/>
+                <a:ea typeface="微軟正黑體" pitchFamily="34" charset="-120"/>
               </a:rPr>
-              <a:t>我主耶穌被賣之夜</a:t>
-            </a:r>
-          </a:p>
-          <a:p>
-            <a:pPr marL="0" indent="0" algn="ctr">
-              <a:buNone/>
-            </a:pPr>
-            <a:r>
-              <a:rPr lang="zh-CN" altLang="zh-TW" sz="5400" b="1" dirty="0">
-                <a:solidFill>
-                  <a:srgbClr val="002060"/>
-                </a:solidFill>
-                <a:latin typeface="Microsoft JhengHei" panose="020B0604030504040204" pitchFamily="34" charset="-120"/>
-                <a:ea typeface="Microsoft JhengHei" panose="020B0604030504040204" pitchFamily="34" charset="-120"/>
+              <a:t>宣道詩 </a:t>
+            </a:r>
+            <a:r>
+              <a:rPr lang="en-US" altLang="zh-CN" sz="5333" b="1" u="sng" dirty="0">
+                <a:solidFill>
+                  <a:srgbClr val="660033"/>
+                </a:solidFill>
+                <a:effectLst>
+                  <a:outerShdw blurRad="38100" dist="38100" dir="2700000" algn="tl">
+                    <a:srgbClr val="000000">
+                      <a:alpha val="43137"/>
+                    </a:srgbClr>
+                  </a:outerShdw>
+                </a:effectLst>
+                <a:latin typeface="微軟正黑體" pitchFamily="34" charset="-120"/>
+                <a:ea typeface="微軟正黑體" pitchFamily="34" charset="-120"/>
               </a:rPr>
-              <a:t>曾先將餅取進</a:t>
-            </a:r>
-          </a:p>
-          <a:p>
-            <a:pPr marL="0" indent="0" algn="ctr">
-              <a:buNone/>
-            </a:pPr>
-            <a:r>
-              <a:rPr lang="zh-CN" altLang="zh-TW" sz="5400" b="1" dirty="0">
-                <a:solidFill>
-                  <a:srgbClr val="002060"/>
-                </a:solidFill>
-                <a:latin typeface="Microsoft JhengHei" panose="020B0604030504040204" pitchFamily="34" charset="-120"/>
-                <a:ea typeface="Microsoft JhengHei" panose="020B0604030504040204" pitchFamily="34" charset="-120"/>
+              <a:t>261</a:t>
+            </a:r>
+            <a:r>
+              <a:rPr lang="en-US" altLang="zh-CN" sz="7200" b="1" i="1" dirty="0">
+                <a:solidFill>
+                  <a:srgbClr val="660033"/>
+                </a:solidFill>
+                <a:effectLst>
+                  <a:outerShdw blurRad="38100" dist="38100" dir="2700000" algn="tl">
+                    <a:srgbClr val="000000">
+                      <a:alpha val="43137"/>
+                    </a:srgbClr>
+                  </a:outerShdw>
+                </a:effectLst>
+                <a:latin typeface="微軟正黑體" pitchFamily="34" charset="-120"/>
+                <a:ea typeface="微軟正黑體" pitchFamily="34" charset="-120"/>
               </a:rPr>
-              <a:t>祝告上帝感謝洪恩</a:t>
-            </a:r>
-          </a:p>
-          <a:p>
-            <a:pPr marL="0" indent="0" algn="ctr">
-              <a:buNone/>
-            </a:pPr>
-            <a:r>
-              <a:rPr lang="zh-CN" altLang="zh-TW" sz="5400" b="1" dirty="0">
-                <a:solidFill>
-                  <a:srgbClr val="002060"/>
-                </a:solidFill>
-                <a:latin typeface="Microsoft JhengHei" panose="020B0604030504040204" pitchFamily="34" charset="-120"/>
-                <a:ea typeface="Microsoft JhengHei" panose="020B0604030504040204" pitchFamily="34" charset="-120"/>
+              <a:t/>
+            </a:r>
+            <a:br>
+              <a:rPr lang="en-US" altLang="zh-CN" sz="7200" b="1" i="1" dirty="0">
+                <a:solidFill>
+                  <a:srgbClr val="660033"/>
+                </a:solidFill>
+                <a:effectLst>
+                  <a:outerShdw blurRad="38100" dist="38100" dir="2700000" algn="tl">
+                    <a:srgbClr val="000000">
+                      <a:alpha val="43137"/>
+                    </a:srgbClr>
+                  </a:outerShdw>
+                </a:effectLst>
+                <a:latin typeface="微軟正黑體" pitchFamily="34" charset="-120"/>
+                <a:ea typeface="微軟正黑體" pitchFamily="34" charset="-120"/>
               </a:rPr>
-              <a:t>門徒面前擘</a:t>
-            </a:r>
-            <a:r>
-              <a:rPr lang="zh-CN" altLang="zh-TW" sz="5400" b="1" dirty="0" smtClean="0">
-                <a:solidFill>
-                  <a:srgbClr val="002060"/>
-                </a:solidFill>
-                <a:latin typeface="Microsoft JhengHei" panose="020B0604030504040204" pitchFamily="34" charset="-120"/>
-                <a:ea typeface="Microsoft JhengHei" panose="020B0604030504040204" pitchFamily="34" charset="-120"/>
+            </a:br>
+            <a:r>
+              <a:rPr lang="zh-CN" altLang="en-US" sz="8000" b="1" dirty="0">
+                <a:solidFill>
+                  <a:srgbClr val="000066"/>
+                </a:solidFill>
+                <a:effectLst>
+                  <a:outerShdw blurRad="38100" dist="38100" dir="2700000" algn="tl">
+                    <a:srgbClr val="000000">
+                      <a:alpha val="43137"/>
+                    </a:srgbClr>
+                  </a:outerShdw>
+                </a:effectLst>
+                <a:latin typeface="微軟正黑體" pitchFamily="34" charset="-120"/>
+                <a:ea typeface="微軟正黑體" pitchFamily="34" charset="-120"/>
               </a:rPr>
-              <a:t>分</a:t>
-            </a:r>
-            <a:endParaRPr lang="en-US" altLang="zh-CN" sz="5400" b="1" dirty="0" smtClean="0">
+              <a:t>聖</a:t>
+            </a:r>
+            <a:r>
+              <a:rPr lang="zh-CN" altLang="en-US" sz="8000" b="1" dirty="0">
+                <a:solidFill>
+                  <a:srgbClr val="000066"/>
+                </a:solidFill>
+                <a:effectLst>
+                  <a:outerShdw blurRad="38100" dist="38100" dir="2700000" algn="tl">
+                    <a:srgbClr val="000000">
+                      <a:alpha val="43137"/>
+                    </a:srgbClr>
+                  </a:outerShdw>
+                </a:effectLst>
+                <a:latin typeface="微軟正黑體" pitchFamily="34" charset="-120"/>
+                <a:ea typeface="微軟正黑體" pitchFamily="34" charset="-120"/>
+              </a:rPr>
+              <a:t>餐</a:t>
+            </a:r>
+            <a:endParaRPr lang="zh-TW" altLang="en-US" sz="8000" b="1" dirty="0">
               <a:solidFill>
-                <a:srgbClr val="002060"/>
+                <a:srgbClr val="000066"/>
               </a:solidFill>
-              <a:latin typeface="Microsoft JhengHei" panose="020B0604030504040204" pitchFamily="34" charset="-120"/>
-              <a:ea typeface="Microsoft JhengHei" panose="020B0604030504040204" pitchFamily="34" charset="-120"/>
-            </a:endParaRPr>
-          </a:p>
-          <a:p>
-            <a:pPr marL="0" indent="0" algn="ctr">
-              <a:buNone/>
-            </a:pPr>
-            <a:r>
-              <a:rPr lang="zh-CN" altLang="zh-TW" sz="5400" b="1" dirty="0" smtClean="0">
-                <a:solidFill>
-                  <a:srgbClr val="002060"/>
-                </a:solidFill>
-                <a:latin typeface="Microsoft JhengHei" panose="020B0604030504040204" pitchFamily="34" charset="-120"/>
-                <a:ea typeface="Microsoft JhengHei" panose="020B0604030504040204" pitchFamily="34" charset="-120"/>
-                <a:sym typeface="+mn-ea"/>
-              </a:rPr>
-              <a:t>門</a:t>
-            </a:r>
-            <a:r>
-              <a:rPr lang="zh-CN" altLang="zh-TW" sz="5400" b="1" dirty="0">
-                <a:solidFill>
-                  <a:srgbClr val="002060"/>
-                </a:solidFill>
-                <a:latin typeface="Microsoft JhengHei" panose="020B0604030504040204" pitchFamily="34" charset="-120"/>
-                <a:ea typeface="Microsoft JhengHei" panose="020B0604030504040204" pitchFamily="34" charset="-120"/>
-                <a:sym typeface="+mn-ea"/>
-              </a:rPr>
-              <a:t>徒面前擘分</a:t>
-            </a:r>
-            <a:endParaRPr lang="zh-CN" altLang="zh-TW" sz="5400" b="1" dirty="0">
-              <a:solidFill>
-                <a:srgbClr val="002060"/>
-              </a:solidFill>
-              <a:latin typeface="Microsoft JhengHei" panose="020B0604030504040204" pitchFamily="34" charset="-120"/>
-              <a:ea typeface="Microsoft JhengHei" panose="020B0604030504040204" pitchFamily="34" charset="-120"/>
-            </a:endParaRPr>
-          </a:p>
-        </p:txBody>
-      </p:sp>
-      <p:sp>
-        <p:nvSpPr>
-          <p:cNvPr id="6" name="Text Box 1"/>
-          <p:cNvSpPr txBox="1"/>
-          <p:nvPr/>
-        </p:nvSpPr>
-        <p:spPr>
-          <a:xfrm>
-            <a:off x="1055440" y="1700808"/>
-            <a:ext cx="1351226" cy="923330"/>
-          </a:xfrm>
-          <a:prstGeom prst="rect">
-            <a:avLst/>
-          </a:prstGeom>
-          <a:noFill/>
-          <a:ln w="9525">
-            <a:noFill/>
-            <a:miter lim="800000"/>
-          </a:ln>
-        </p:spPr>
-        <p:txBody>
-          <a:bodyPr wrap="square">
-            <a:spAutoFit/>
-          </a:bodyPr>
-          <a:lstStyle/>
-          <a:p>
-            <a:pPr algn="ctr"/>
-            <a:r>
-              <a:rPr lang="en-US" sz="5400" b="1" dirty="0">
-                <a:solidFill>
-                  <a:srgbClr val="002060"/>
-                </a:solidFill>
-              </a:rPr>
-              <a:t>1</a:t>
-            </a:r>
-            <a:r>
-              <a:rPr lang="en-US" sz="5400" b="1" dirty="0" smtClean="0">
-                <a:solidFill>
-                  <a:srgbClr val="002060"/>
-                </a:solidFill>
-              </a:rPr>
-              <a:t>.</a:t>
-            </a:r>
-            <a:endParaRPr lang="en-US" sz="5400" b="1" dirty="0">
-              <a:solidFill>
-                <a:srgbClr val="002060"/>
-              </a:solidFill>
+              <a:effectLst>
+                <a:outerShdw blurRad="38100" dist="38100" dir="2700000" algn="tl">
+                  <a:srgbClr val="000000">
+                    <a:alpha val="43137"/>
+                  </a:srgbClr>
+                </a:outerShdw>
+              </a:effectLst>
+              <a:latin typeface="微軟正黑體" pitchFamily="34" charset="-120"/>
+              <a:ea typeface="微軟正黑體" pitchFamily="34" charset="-120"/>
             </a:endParaRPr>
           </a:p>
         </p:txBody>
@@ -3957,7 +3868,7 @@
     </p:spTree>
     <p:extLst>
       <p:ext uri="{BB962C8B-B14F-4D97-AF65-F5344CB8AC3E}">
-        <p14:creationId xmlns:p14="http://schemas.microsoft.com/office/powerpoint/2010/main" val="1643959922"/>
+        <p14:creationId xmlns:p14="http://schemas.microsoft.com/office/powerpoint/2010/main" val="1856845368"/>
       </p:ext>
     </p:extLst>
   </p:cSld>
@@ -3971,6 +3882,283 @@
       </p:par>
     </p:tnLst>
   </p:timing>
+</p:sld>
+</file>
+
+<file path=ppt/slides/slide10.xml><?xml version="1.0" encoding="utf-8"?>
+<p:sld xmlns:a="http://schemas.openxmlformats.org/drawingml/2006/main" xmlns:r="http://schemas.openxmlformats.org/officeDocument/2006/relationships" xmlns:p="http://schemas.openxmlformats.org/presentationml/2006/main">
+  <p:cSld>
+    <p:spTree>
+      <p:nvGrpSpPr>
+        <p:cNvPr id="1" name=""/>
+        <p:cNvGrpSpPr/>
+        <p:nvPr/>
+      </p:nvGrpSpPr>
+      <p:grpSpPr>
+        <a:xfrm>
+          <a:off x="0" y="0"/>
+          <a:ext cx="0" cy="0"/>
+          <a:chOff x="0" y="0"/>
+          <a:chExt cx="0" cy="0"/>
+        </a:xfrm>
+      </p:grpSpPr>
+      <p:sp>
+        <p:nvSpPr>
+          <p:cNvPr id="5" name="內容版面配置區 4"/>
+          <p:cNvSpPr>
+            <a:spLocks noGrp="1"/>
+          </p:cNvSpPr>
+          <p:nvPr>
+            <p:ph idx="1"/>
+          </p:nvPr>
+        </p:nvSpPr>
+        <p:spPr>
+          <a:xfrm>
+            <a:off x="0" y="2084851"/>
+            <a:ext cx="12192000" cy="2404863"/>
+          </a:xfrm>
+        </p:spPr>
+        <p:txBody>
+          <a:bodyPr anchor="ctr">
+            <a:normAutofit/>
+          </a:bodyPr>
+          <a:lstStyle/>
+          <a:p>
+            <a:pPr marL="0" indent="0" algn="ctr">
+              <a:buNone/>
+            </a:pPr>
+            <a:r>
+              <a:rPr lang="zh-CN" altLang="zh-TW" sz="6400" b="1" dirty="0">
+                <a:solidFill>
+                  <a:srgbClr val="000066"/>
+                </a:solidFill>
+                <a:latin typeface="Microsoft JhengHei" panose="020B0604030504040204" pitchFamily="34" charset="-120"/>
+                <a:ea typeface="Microsoft JhengHei" panose="020B0604030504040204" pitchFamily="34" charset="-120"/>
+              </a:rPr>
+              <a:t>我等在此謹守聖禮</a:t>
+            </a:r>
+          </a:p>
+          <a:p>
+            <a:pPr marL="0" indent="0" algn="ctr">
+              <a:buNone/>
+            </a:pPr>
+            <a:r>
+              <a:rPr lang="zh-CN" altLang="zh-TW" sz="6400" b="1" dirty="0">
+                <a:solidFill>
+                  <a:srgbClr val="000066"/>
+                </a:solidFill>
+                <a:latin typeface="Microsoft JhengHei" panose="020B0604030504040204" pitchFamily="34" charset="-120"/>
+                <a:ea typeface="Microsoft JhengHei" panose="020B0604030504040204" pitchFamily="34" charset="-120"/>
+              </a:rPr>
+              <a:t>紀念主大愛情</a:t>
+            </a:r>
+            <a:endParaRPr lang="zh-CN" altLang="zh-TW" sz="6400" b="1" dirty="0">
+              <a:solidFill>
+                <a:srgbClr val="000066"/>
+              </a:solidFill>
+              <a:latin typeface="Microsoft JhengHei" panose="020B0604030504040204" pitchFamily="34" charset="-120"/>
+              <a:ea typeface="Microsoft JhengHei" panose="020B0604030504040204" pitchFamily="34" charset="-120"/>
+            </a:endParaRPr>
+          </a:p>
+        </p:txBody>
+      </p:sp>
+      <p:sp>
+        <p:nvSpPr>
+          <p:cNvPr id="3" name="TextBox 2"/>
+          <p:cNvSpPr txBox="1"/>
+          <p:nvPr/>
+        </p:nvSpPr>
+        <p:spPr>
+          <a:xfrm>
+            <a:off x="1103445" y="2215367"/>
+            <a:ext cx="1248139" cy="1077218"/>
+          </a:xfrm>
+          <a:prstGeom prst="rect">
+            <a:avLst/>
+          </a:prstGeom>
+          <a:noFill/>
+        </p:spPr>
+        <p:txBody>
+          <a:bodyPr wrap="square" rtlCol="0">
+            <a:spAutoFit/>
+          </a:bodyPr>
+          <a:lstStyle/>
+          <a:p>
+            <a:r>
+              <a:rPr lang="en-US" sz="6400" b="1" dirty="0">
+                <a:solidFill>
+                  <a:srgbClr val="000066"/>
+                </a:solidFill>
+              </a:rPr>
+              <a:t>5.</a:t>
+            </a:r>
+            <a:endParaRPr lang="vi-VN" sz="6400" b="1" dirty="0">
+              <a:solidFill>
+                <a:srgbClr val="000066"/>
+              </a:solidFill>
+            </a:endParaRPr>
+          </a:p>
+        </p:txBody>
+      </p:sp>
+    </p:spTree>
+    <p:extLst>
+      <p:ext uri="{BB962C8B-B14F-4D97-AF65-F5344CB8AC3E}">
+        <p14:creationId xmlns:p14="http://schemas.microsoft.com/office/powerpoint/2010/main" val="1323370065"/>
+      </p:ext>
+    </p:extLst>
+  </p:cSld>
+  <p:clrMapOvr>
+    <a:masterClrMapping/>
+  </p:clrMapOvr>
+</p:sld>
+</file>
+
+<file path=ppt/slides/slide11.xml><?xml version="1.0" encoding="utf-8"?>
+<p:sld xmlns:a="http://schemas.openxmlformats.org/drawingml/2006/main" xmlns:r="http://schemas.openxmlformats.org/officeDocument/2006/relationships" xmlns:p="http://schemas.openxmlformats.org/presentationml/2006/main">
+  <p:cSld>
+    <p:spTree>
+      <p:nvGrpSpPr>
+        <p:cNvPr id="1" name=""/>
+        <p:cNvGrpSpPr/>
+        <p:nvPr/>
+      </p:nvGrpSpPr>
+      <p:grpSpPr>
+        <a:xfrm>
+          <a:off x="0" y="0"/>
+          <a:ext cx="0" cy="0"/>
+          <a:chOff x="0" y="0"/>
+          <a:chExt cx="0" cy="0"/>
+        </a:xfrm>
+      </p:grpSpPr>
+      <p:sp>
+        <p:nvSpPr>
+          <p:cNvPr id="5" name="內容版面配置區 4"/>
+          <p:cNvSpPr>
+            <a:spLocks noGrp="1"/>
+          </p:cNvSpPr>
+          <p:nvPr>
+            <p:ph idx="1"/>
+          </p:nvPr>
+        </p:nvSpPr>
+        <p:spPr>
+          <a:xfrm>
+            <a:off x="0" y="2084851"/>
+            <a:ext cx="12192000" cy="2404863"/>
+          </a:xfrm>
+        </p:spPr>
+        <p:txBody>
+          <a:bodyPr anchor="ctr">
+            <a:normAutofit/>
+          </a:bodyPr>
+          <a:lstStyle/>
+          <a:p>
+            <a:pPr marL="0" indent="0" algn="ctr">
+              <a:buNone/>
+            </a:pPr>
+            <a:r>
+              <a:rPr lang="zh-CN" altLang="zh-TW" sz="6400" b="1" dirty="0">
+                <a:solidFill>
+                  <a:srgbClr val="000066"/>
+                </a:solidFill>
+                <a:latin typeface="Microsoft JhengHei" panose="020B0604030504040204" pitchFamily="34" charset="-120"/>
+                <a:ea typeface="Microsoft JhengHei" panose="020B0604030504040204" pitchFamily="34" charset="-120"/>
+              </a:rPr>
+              <a:t>我主日日與我同住</a:t>
+            </a:r>
+          </a:p>
+          <a:p>
+            <a:pPr marL="0" indent="0" algn="ctr">
+              <a:buNone/>
+            </a:pPr>
+            <a:r>
+              <a:rPr lang="zh-CN" altLang="zh-TW" sz="6400" b="1" dirty="0">
+                <a:solidFill>
+                  <a:srgbClr val="000066"/>
+                </a:solidFill>
+                <a:latin typeface="Microsoft JhengHei" panose="020B0604030504040204" pitchFamily="34" charset="-120"/>
+                <a:ea typeface="Microsoft JhengHei" panose="020B0604030504040204" pitchFamily="34" charset="-120"/>
+              </a:rPr>
+              <a:t>至終接到天庭</a:t>
+            </a:r>
+            <a:r>
+              <a:rPr lang="en-US" altLang="zh-CN" sz="6400" b="1" dirty="0">
+                <a:solidFill>
+                  <a:srgbClr val="000066"/>
+                </a:solidFill>
+                <a:latin typeface="Microsoft JhengHei" panose="020B0604030504040204" pitchFamily="34" charset="-120"/>
+                <a:ea typeface="Microsoft JhengHei" panose="020B0604030504040204" pitchFamily="34" charset="-120"/>
+              </a:rPr>
+              <a:t>  </a:t>
+            </a:r>
+            <a:r>
+              <a:rPr lang="zh-CN" altLang="zh-TW" sz="6400" b="1" dirty="0">
+                <a:solidFill>
+                  <a:srgbClr val="000066"/>
+                </a:solidFill>
+                <a:latin typeface="Microsoft JhengHei" panose="020B0604030504040204" pitchFamily="34" charset="-120"/>
+                <a:ea typeface="Microsoft JhengHei" panose="020B0604030504040204" pitchFamily="34" charset="-120"/>
+                <a:sym typeface="+mn-ea"/>
+              </a:rPr>
+              <a:t>至終接到天庭</a:t>
+            </a:r>
+            <a:endParaRPr lang="zh-CN" altLang="zh-TW" sz="6400" b="1" dirty="0">
+              <a:solidFill>
+                <a:srgbClr val="000066"/>
+              </a:solidFill>
+              <a:latin typeface="Microsoft JhengHei" panose="020B0604030504040204" pitchFamily="34" charset="-120"/>
+              <a:ea typeface="Microsoft JhengHei" panose="020B0604030504040204" pitchFamily="34" charset="-120"/>
+            </a:endParaRPr>
+          </a:p>
+        </p:txBody>
+      </p:sp>
+      <p:sp>
+        <p:nvSpPr>
+          <p:cNvPr id="3" name="TextBox 2"/>
+          <p:cNvSpPr txBox="1"/>
+          <p:nvPr/>
+        </p:nvSpPr>
+        <p:spPr>
+          <a:xfrm>
+            <a:off x="1103445" y="2215367"/>
+            <a:ext cx="1248139" cy="1077218"/>
+          </a:xfrm>
+          <a:prstGeom prst="rect">
+            <a:avLst/>
+          </a:prstGeom>
+          <a:noFill/>
+        </p:spPr>
+        <p:txBody>
+          <a:bodyPr wrap="square" rtlCol="0">
+            <a:spAutoFit/>
+          </a:bodyPr>
+          <a:lstStyle/>
+          <a:p>
+            <a:r>
+              <a:rPr lang="en-US" sz="6400" b="1" dirty="0">
+                <a:solidFill>
+                  <a:srgbClr val="000066"/>
+                </a:solidFill>
+              </a:rPr>
+              <a:t>5.</a:t>
+            </a:r>
+            <a:endParaRPr lang="vi-VN" sz="6400" b="1" dirty="0">
+              <a:solidFill>
+                <a:srgbClr val="000066"/>
+              </a:solidFill>
+            </a:endParaRPr>
+          </a:p>
+        </p:txBody>
+      </p:sp>
+    </p:spTree>
+    <p:extLst>
+      <p:ext uri="{BB962C8B-B14F-4D97-AF65-F5344CB8AC3E}">
+        <p14:creationId xmlns:p14="http://schemas.microsoft.com/office/powerpoint/2010/main" val="2416230258"/>
+      </p:ext>
+    </p:extLst>
+  </p:cSld>
+  <p:clrMapOvr>
+    <a:masterClrMapping/>
+  </p:clrMapOvr>
 </p:sld>
 </file>
 
@@ -3993,241 +4181,100 @@
       </p:grpSpPr>
       <p:sp>
         <p:nvSpPr>
-          <p:cNvPr id="4" name="Title 3"/>
-          <p:cNvSpPr>
-            <a:spLocks noGrp="1"/>
-          </p:cNvSpPr>
-          <p:nvPr>
-            <p:ph type="title"/>
-          </p:nvPr>
-        </p:nvSpPr>
-        <p:spPr/>
-        <p:txBody>
-          <a:bodyPr>
+          <p:cNvPr id="5" name="內容版面配置區 4"/>
+          <p:cNvSpPr>
+            <a:spLocks noGrp="1"/>
+          </p:cNvSpPr>
+          <p:nvPr>
+            <p:ph idx="1"/>
+          </p:nvPr>
+        </p:nvSpPr>
+        <p:spPr>
+          <a:xfrm>
+            <a:off x="0" y="2084851"/>
+            <a:ext cx="12192000" cy="2404863"/>
+          </a:xfrm>
+        </p:spPr>
+        <p:txBody>
+          <a:bodyPr anchor="ctr">
             <a:normAutofit/>
           </a:bodyPr>
           <a:lstStyle/>
           <a:p>
-            <a:r>
-              <a:rPr lang="en-US" altLang="zh-CN" sz="4800" b="1" dirty="0">
-                <a:solidFill>
-                  <a:srgbClr val="002060"/>
-                </a:solidFill>
-                <a:latin typeface="Microsoft JhengHei" panose="020B0604030504040204" pitchFamily="34" charset="-120"/>
-                <a:ea typeface="Microsoft JhengHei" panose="020B0604030504040204" pitchFamily="34" charset="-120"/>
+            <a:pPr marL="0" indent="0" algn="ctr">
+              <a:buNone/>
+            </a:pPr>
+            <a:r>
+              <a:rPr lang="zh-CN" altLang="zh-TW" sz="6400" b="1" dirty="0">
+                <a:solidFill>
+                  <a:srgbClr val="000066"/>
+                </a:solidFill>
+                <a:latin typeface="Microsoft JhengHei" pitchFamily="34" charset="-120"/>
+                <a:ea typeface="Microsoft JhengHei" pitchFamily="34" charset="-120"/>
               </a:rPr>
-              <a:t>【</a:t>
-            </a:r>
-            <a:r>
-              <a:rPr lang="zh-CN" altLang="en-US" sz="4800" b="1" dirty="0">
-                <a:solidFill>
-                  <a:srgbClr val="002060"/>
-                </a:solidFill>
-                <a:latin typeface="Microsoft JhengHei" panose="020B0604030504040204" pitchFamily="34" charset="-120"/>
-                <a:ea typeface="Microsoft JhengHei" panose="020B0604030504040204" pitchFamily="34" charset="-120"/>
+              <a:t>我</a:t>
+            </a:r>
+            <a:r>
+              <a:rPr lang="zh-CN" altLang="zh-TW" sz="6400" b="1" dirty="0">
+                <a:solidFill>
+                  <a:srgbClr val="000066"/>
+                </a:solidFill>
+                <a:latin typeface="Microsoft JhengHei" pitchFamily="34" charset="-120"/>
+                <a:ea typeface="Microsoft JhengHei" pitchFamily="34" charset="-120"/>
               </a:rPr>
-              <a:t>聖餐</a:t>
-            </a:r>
-            <a:r>
-              <a:rPr lang="en-US" altLang="zh-CN" sz="4800" b="1" dirty="0">
-                <a:solidFill>
-                  <a:srgbClr val="002060"/>
-                </a:solidFill>
-                <a:latin typeface="Microsoft JhengHei" panose="020B0604030504040204" pitchFamily="34" charset="-120"/>
-                <a:ea typeface="Microsoft JhengHei" panose="020B0604030504040204" pitchFamily="34" charset="-120"/>
+              <a:t>主耶穌被賣之夜</a:t>
+            </a:r>
+          </a:p>
+          <a:p>
+            <a:pPr marL="0" indent="0" algn="ctr">
+              <a:buNone/>
+            </a:pPr>
+            <a:r>
+              <a:rPr lang="zh-CN" altLang="zh-TW" sz="6400" b="1" dirty="0">
+                <a:solidFill>
+                  <a:srgbClr val="000066"/>
+                </a:solidFill>
+                <a:latin typeface="Microsoft JhengHei" pitchFamily="34" charset="-120"/>
+                <a:ea typeface="Microsoft JhengHei" pitchFamily="34" charset="-120"/>
               </a:rPr>
-              <a:t>】</a:t>
-            </a:r>
-          </a:p>
-        </p:txBody>
-      </p:sp>
-      <p:sp>
-        <p:nvSpPr>
-          <p:cNvPr id="5" name="Content Placeholder 4"/>
-          <p:cNvSpPr>
-            <a:spLocks noGrp="1"/>
-          </p:cNvSpPr>
-          <p:nvPr>
-            <p:ph idx="1"/>
-          </p:nvPr>
+              <a:t>曾先將餅取進</a:t>
+            </a:r>
+          </a:p>
+        </p:txBody>
+      </p:sp>
+      <p:sp>
+        <p:nvSpPr>
+          <p:cNvPr id="3" name="TextBox 2"/>
+          <p:cNvSpPr txBox="1"/>
+          <p:nvPr/>
         </p:nvSpPr>
         <p:spPr>
           <a:xfrm>
-            <a:off x="0" y="1600203"/>
-            <a:ext cx="12192000" cy="5257797"/>
-          </a:xfrm>
-        </p:spPr>
-        <p:txBody>
-          <a:bodyPr>
-            <a:normAutofit/>
-          </a:bodyPr>
-          <a:lstStyle/>
-          <a:p>
-            <a:pPr marL="0" indent="0" algn="ctr">
-              <a:buNone/>
-            </a:pPr>
-            <a:r>
-              <a:rPr lang="zh-CN" altLang="zh-TW" sz="5400" b="1" dirty="0">
-                <a:solidFill>
-                  <a:srgbClr val="002060"/>
-                </a:solidFill>
-                <a:latin typeface="Microsoft JhengHei" panose="020B0604030504040204" pitchFamily="34" charset="-120"/>
-                <a:ea typeface="Microsoft JhengHei" panose="020B0604030504040204" pitchFamily="34" charset="-120"/>
-              </a:rPr>
-              <a:t>隨說你等取餅而食</a:t>
-            </a:r>
-          </a:p>
-          <a:p>
-            <a:pPr marL="0" indent="0" algn="ctr">
-              <a:buNone/>
-            </a:pPr>
-            <a:r>
-              <a:rPr lang="zh-CN" altLang="zh-TW" sz="5400" b="1" dirty="0">
-                <a:solidFill>
-                  <a:srgbClr val="002060"/>
-                </a:solidFill>
-                <a:latin typeface="Microsoft JhengHei" panose="020B0604030504040204" pitchFamily="34" charset="-120"/>
-                <a:ea typeface="Microsoft JhengHei" panose="020B0604030504040204" pitchFamily="34" charset="-120"/>
-              </a:rPr>
-              <a:t>因此表明我體</a:t>
-            </a:r>
-          </a:p>
-          <a:p>
-            <a:pPr marL="0" indent="0" algn="ctr">
-              <a:buNone/>
-            </a:pPr>
-            <a:r>
-              <a:rPr lang="zh-CN" altLang="zh-TW" sz="5400" b="1" dirty="0">
-                <a:solidFill>
-                  <a:srgbClr val="002060"/>
-                </a:solidFill>
-                <a:latin typeface="Microsoft JhengHei" panose="020B0604030504040204" pitchFamily="34" charset="-120"/>
-                <a:ea typeface="Microsoft JhengHei" panose="020B0604030504040204" pitchFamily="34" charset="-120"/>
-              </a:rPr>
-              <a:t>為你眾人</a:t>
-            </a:r>
-            <a:r>
-              <a:rPr lang="zh-CN" altLang="zh-TW" sz="5400" b="1" dirty="0">
-                <a:solidFill>
-                  <a:srgbClr val="002060"/>
-                </a:solidFill>
-                <a:latin typeface="Microsoft JhengHei" panose="020B0604030504040204" pitchFamily="34" charset="-120"/>
-                <a:ea typeface="Microsoft JhengHei" panose="020B0604030504040204" pitchFamily="34" charset="-120"/>
-                <a:sym typeface="+mn-ea"/>
-              </a:rPr>
-              <a:t>擘開受苦</a:t>
-            </a:r>
-          </a:p>
-          <a:p>
-            <a:pPr marL="0" indent="0" algn="ctr">
-              <a:buNone/>
-            </a:pPr>
-            <a:r>
-              <a:rPr lang="zh-CN" altLang="zh-TW" sz="5400" b="1" dirty="0">
-                <a:solidFill>
-                  <a:srgbClr val="002060"/>
-                </a:solidFill>
-                <a:latin typeface="Microsoft JhengHei" panose="020B0604030504040204" pitchFamily="34" charset="-120"/>
-                <a:ea typeface="Microsoft JhengHei" panose="020B0604030504040204" pitchFamily="34" charset="-120"/>
-                <a:sym typeface="+mn-ea"/>
-              </a:rPr>
-              <a:t>領時將我記</a:t>
-            </a:r>
-            <a:r>
-              <a:rPr lang="zh-CN" altLang="zh-TW" sz="5400" b="1" dirty="0">
-                <a:solidFill>
-                  <a:srgbClr val="002060"/>
-                </a:solidFill>
-                <a:latin typeface="Microsoft JhengHei" panose="020B0604030504040204" pitchFamily="34" charset="-120"/>
-                <a:ea typeface="Microsoft JhengHei" panose="020B0604030504040204" pitchFamily="34" charset="-120"/>
-                <a:sym typeface="+mn-ea"/>
-              </a:rPr>
-              <a:t>憶</a:t>
-            </a:r>
-            <a:endParaRPr lang="en-US" altLang="zh-CN" sz="5400" b="1" dirty="0">
-              <a:solidFill>
-                <a:srgbClr val="002060"/>
-              </a:solidFill>
-              <a:latin typeface="Microsoft JhengHei" panose="020B0604030504040204" pitchFamily="34" charset="-120"/>
-              <a:ea typeface="Microsoft JhengHei" panose="020B0604030504040204" pitchFamily="34" charset="-120"/>
-              <a:sym typeface="+mn-ea"/>
-            </a:endParaRPr>
-          </a:p>
-          <a:p>
-            <a:pPr marL="0" indent="0" algn="ctr">
-              <a:buNone/>
-            </a:pPr>
-            <a:r>
-              <a:rPr lang="zh-CN" altLang="zh-TW" sz="5400" b="1" dirty="0">
-                <a:solidFill>
-                  <a:srgbClr val="002060"/>
-                </a:solidFill>
-                <a:latin typeface="Microsoft JhengHei" panose="020B0604030504040204" pitchFamily="34" charset="-120"/>
-                <a:ea typeface="Microsoft JhengHei" panose="020B0604030504040204" pitchFamily="34" charset="-120"/>
-                <a:sym typeface="+mn-ea"/>
-              </a:rPr>
-              <a:t>領</a:t>
-            </a:r>
-            <a:r>
-              <a:rPr lang="zh-CN" altLang="zh-TW" sz="5400" b="1" dirty="0">
-                <a:solidFill>
-                  <a:srgbClr val="002060"/>
-                </a:solidFill>
-                <a:latin typeface="Microsoft JhengHei" panose="020B0604030504040204" pitchFamily="34" charset="-120"/>
-                <a:ea typeface="Microsoft JhengHei" panose="020B0604030504040204" pitchFamily="34" charset="-120"/>
-                <a:sym typeface="+mn-ea"/>
-              </a:rPr>
-              <a:t>時將我記憶</a:t>
-            </a:r>
-          </a:p>
-        </p:txBody>
-      </p:sp>
-      <p:sp>
-        <p:nvSpPr>
-          <p:cNvPr id="6" name="Text Box 1"/>
-          <p:cNvSpPr txBox="1"/>
-          <p:nvPr/>
-        </p:nvSpPr>
-        <p:spPr>
-          <a:xfrm>
-            <a:off x="1055440" y="1700808"/>
-            <a:ext cx="1351226" cy="923330"/>
+            <a:off x="1103445" y="2215367"/>
+            <a:ext cx="1248139" cy="1077218"/>
           </a:xfrm>
           <a:prstGeom prst="rect">
             <a:avLst/>
           </a:prstGeom>
           <a:noFill/>
-          <a:ln w="9525">
-            <a:noFill/>
-            <a:miter lim="800000"/>
-          </a:ln>
         </p:spPr>
         <p:txBody>
-          <a:bodyPr wrap="square">
+          <a:bodyPr wrap="square" rtlCol="0">
             <a:spAutoFit/>
           </a:bodyPr>
           <a:lstStyle/>
           <a:p>
-            <a:pPr algn="ctr"/>
-            <a:r>
-              <a:rPr lang="en-US" sz="5400" b="1" dirty="0">
-                <a:solidFill>
-                  <a:srgbClr val="002060"/>
+            <a:r>
+              <a:rPr lang="en-US" sz="6400" b="1" dirty="0">
+                <a:solidFill>
+                  <a:srgbClr val="000066"/>
                 </a:solidFill>
               </a:rPr>
-              <a:t>2</a:t>
-            </a:r>
-            <a:r>
-              <a:rPr lang="en-US" sz="5400" b="1" dirty="0" smtClean="0">
-                <a:solidFill>
-                  <a:srgbClr val="002060"/>
-                </a:solidFill>
-              </a:rPr>
-              <a:t>.</a:t>
-            </a:r>
-            <a:endParaRPr lang="en-US" sz="5400" b="1" dirty="0">
+              <a:t>1.</a:t>
+            </a:r>
+            <a:endParaRPr lang="vi-VN" sz="6400" b="1" dirty="0">
               <a:solidFill>
-                <a:srgbClr val="002060"/>
+                <a:srgbClr val="000066"/>
               </a:solidFill>
             </a:endParaRPr>
           </a:p>
@@ -4236,20 +4283,13 @@
     </p:spTree>
     <p:extLst>
       <p:ext uri="{BB962C8B-B14F-4D97-AF65-F5344CB8AC3E}">
-        <p14:creationId xmlns:p14="http://schemas.microsoft.com/office/powerpoint/2010/main" val="4169895801"/>
+        <p14:creationId xmlns:p14="http://schemas.microsoft.com/office/powerpoint/2010/main" val="3673299734"/>
       </p:ext>
     </p:extLst>
   </p:cSld>
   <p:clrMapOvr>
     <a:masterClrMapping/>
   </p:clrMapOvr>
-  <p:timing>
-    <p:tnLst>
-      <p:par>
-        <p:cTn id="1" dur="indefinite" restart="never" nodeType="tmRoot"/>
-      </p:par>
-    </p:tnLst>
-  </p:timing>
 </p:sld>
 </file>
 
@@ -4272,234 +4312,139 @@
       </p:grpSpPr>
       <p:sp>
         <p:nvSpPr>
-          <p:cNvPr id="4" name="Title 3"/>
-          <p:cNvSpPr>
-            <a:spLocks noGrp="1"/>
-          </p:cNvSpPr>
-          <p:nvPr>
-            <p:ph type="title"/>
-          </p:nvPr>
-        </p:nvSpPr>
-        <p:spPr/>
-        <p:txBody>
-          <a:bodyPr>
+          <p:cNvPr id="5" name="內容版面配置區 4"/>
+          <p:cNvSpPr>
+            <a:spLocks noGrp="1"/>
+          </p:cNvSpPr>
+          <p:nvPr>
+            <p:ph idx="1"/>
+          </p:nvPr>
+        </p:nvSpPr>
+        <p:spPr>
+          <a:xfrm>
+            <a:off x="0" y="2084851"/>
+            <a:ext cx="12192000" cy="2404863"/>
+          </a:xfrm>
+        </p:spPr>
+        <p:txBody>
+          <a:bodyPr anchor="ctr">
             <a:normAutofit/>
           </a:bodyPr>
           <a:lstStyle/>
           <a:p>
-            <a:r>
-              <a:rPr lang="en-US" altLang="zh-CN" sz="4800" b="1" dirty="0">
-                <a:solidFill>
-                  <a:srgbClr val="002060"/>
-                </a:solidFill>
-                <a:latin typeface="Microsoft JhengHei" panose="020B0604030504040204" pitchFamily="34" charset="-120"/>
-                <a:ea typeface="Microsoft JhengHei" panose="020B0604030504040204" pitchFamily="34" charset="-120"/>
+            <a:pPr marL="0" indent="0" algn="ctr">
+              <a:buNone/>
+            </a:pPr>
+            <a:r>
+              <a:rPr lang="zh-CN" altLang="zh-TW" sz="6400" b="1" dirty="0">
+                <a:solidFill>
+                  <a:srgbClr val="000066"/>
+                </a:solidFill>
+                <a:latin typeface="Microsoft JhengHei" pitchFamily="34" charset="-120"/>
+                <a:ea typeface="Microsoft JhengHei" pitchFamily="34" charset="-120"/>
               </a:rPr>
-              <a:t>【</a:t>
-            </a:r>
-            <a:r>
-              <a:rPr lang="zh-CN" altLang="en-US" sz="4800" b="1" dirty="0">
-                <a:solidFill>
-                  <a:srgbClr val="002060"/>
-                </a:solidFill>
-                <a:latin typeface="Microsoft JhengHei" panose="020B0604030504040204" pitchFamily="34" charset="-120"/>
-                <a:ea typeface="Microsoft JhengHei" panose="020B0604030504040204" pitchFamily="34" charset="-120"/>
+              <a:t>祝告上帝感謝洪恩</a:t>
+            </a:r>
+          </a:p>
+          <a:p>
+            <a:pPr marL="0" indent="0" algn="ctr">
+              <a:buNone/>
+            </a:pPr>
+            <a:r>
+              <a:rPr lang="zh-CN" altLang="zh-TW" sz="6400" b="1" dirty="0">
+                <a:solidFill>
+                  <a:srgbClr val="000066"/>
+                </a:solidFill>
+                <a:latin typeface="Microsoft JhengHei" pitchFamily="34" charset="-120"/>
+                <a:ea typeface="Microsoft JhengHei" pitchFamily="34" charset="-120"/>
               </a:rPr>
-              <a:t>聖餐</a:t>
-            </a:r>
-            <a:r>
-              <a:rPr lang="en-US" altLang="zh-CN" sz="4800" b="1" dirty="0">
-                <a:solidFill>
-                  <a:srgbClr val="002060"/>
-                </a:solidFill>
-                <a:latin typeface="Microsoft JhengHei" panose="020B0604030504040204" pitchFamily="34" charset="-120"/>
-                <a:ea typeface="Microsoft JhengHei" panose="020B0604030504040204" pitchFamily="34" charset="-120"/>
+              <a:t>門徒面前擘</a:t>
+            </a:r>
+            <a:r>
+              <a:rPr lang="zh-CN" altLang="zh-TW" sz="6400" b="1" dirty="0">
+                <a:solidFill>
+                  <a:srgbClr val="000066"/>
+                </a:solidFill>
+                <a:latin typeface="Microsoft JhengHei" pitchFamily="34" charset="-120"/>
+                <a:ea typeface="Microsoft JhengHei" pitchFamily="34" charset="-120"/>
               </a:rPr>
-              <a:t>】</a:t>
-            </a:r>
-          </a:p>
-        </p:txBody>
-      </p:sp>
-      <p:sp>
-        <p:nvSpPr>
-          <p:cNvPr id="5" name="Content Placeholder 4"/>
-          <p:cNvSpPr>
-            <a:spLocks noGrp="1"/>
-          </p:cNvSpPr>
-          <p:nvPr>
-            <p:ph idx="1"/>
-          </p:nvPr>
+              <a:t>分</a:t>
+            </a:r>
+            <a:r>
+              <a:rPr lang="en-US" altLang="zh-CN" sz="6400" b="1" dirty="0">
+                <a:solidFill>
+                  <a:srgbClr val="000066"/>
+                </a:solidFill>
+                <a:latin typeface="Microsoft JhengHei" pitchFamily="34" charset="-120"/>
+                <a:ea typeface="Microsoft JhengHei" pitchFamily="34" charset="-120"/>
+              </a:rPr>
+              <a:t>  </a:t>
+            </a:r>
+            <a:r>
+              <a:rPr lang="zh-CN" altLang="zh-TW" sz="6400" b="1" dirty="0">
+                <a:solidFill>
+                  <a:srgbClr val="000066"/>
+                </a:solidFill>
+                <a:latin typeface="Microsoft JhengHei" pitchFamily="34" charset="-120"/>
+                <a:ea typeface="Microsoft JhengHei" pitchFamily="34" charset="-120"/>
+                <a:sym typeface="+mn-ea"/>
+              </a:rPr>
+              <a:t>門</a:t>
+            </a:r>
+            <a:r>
+              <a:rPr lang="zh-CN" altLang="zh-TW" sz="6400" b="1" dirty="0">
+                <a:solidFill>
+                  <a:srgbClr val="000066"/>
+                </a:solidFill>
+                <a:latin typeface="Microsoft JhengHei" pitchFamily="34" charset="-120"/>
+                <a:ea typeface="Microsoft JhengHei" pitchFamily="34" charset="-120"/>
+                <a:sym typeface="+mn-ea"/>
+              </a:rPr>
+              <a:t>徒面前擘分</a:t>
+            </a:r>
+            <a:endParaRPr lang="zh-CN" altLang="zh-TW" sz="6400" b="1" dirty="0">
+              <a:solidFill>
+                <a:srgbClr val="000066"/>
+              </a:solidFill>
+              <a:latin typeface="Microsoft JhengHei" pitchFamily="34" charset="-120"/>
+              <a:ea typeface="Microsoft JhengHei" pitchFamily="34" charset="-120"/>
+            </a:endParaRPr>
+          </a:p>
+        </p:txBody>
+      </p:sp>
+      <p:sp>
+        <p:nvSpPr>
+          <p:cNvPr id="3" name="TextBox 2"/>
+          <p:cNvSpPr txBox="1"/>
+          <p:nvPr/>
         </p:nvSpPr>
         <p:spPr>
           <a:xfrm>
-            <a:off x="0" y="1600203"/>
-            <a:ext cx="12192000" cy="5257797"/>
-          </a:xfrm>
-        </p:spPr>
-        <p:txBody>
-          <a:bodyPr>
-            <a:normAutofit/>
-          </a:bodyPr>
-          <a:lstStyle/>
-          <a:p>
-            <a:pPr marL="0" indent="0" algn="ctr">
-              <a:buNone/>
-            </a:pPr>
-            <a:r>
-              <a:rPr lang="zh-CN" altLang="zh-TW" sz="5400" b="1" dirty="0">
-                <a:solidFill>
-                  <a:srgbClr val="002060"/>
-                </a:solidFill>
-                <a:latin typeface="Microsoft JhengHei" panose="020B0604030504040204" pitchFamily="34" charset="-120"/>
-                <a:ea typeface="Microsoft JhengHei" panose="020B0604030504040204" pitchFamily="34" charset="-120"/>
-              </a:rPr>
-              <a:t>後舉起杯如前祝告</a:t>
-            </a:r>
-          </a:p>
-          <a:p>
-            <a:pPr marL="0" indent="0" algn="ctr">
-              <a:buNone/>
-            </a:pPr>
-            <a:r>
-              <a:rPr lang="zh-CN" altLang="zh-TW" sz="5400" b="1" dirty="0">
-                <a:solidFill>
-                  <a:srgbClr val="002060"/>
-                </a:solidFill>
-                <a:latin typeface="Microsoft JhengHei" panose="020B0604030504040204" pitchFamily="34" charset="-120"/>
-                <a:ea typeface="Microsoft JhengHei" panose="020B0604030504040204" pitchFamily="34" charset="-120"/>
-              </a:rPr>
-              <a:t>遞給門徒同喝</a:t>
-            </a:r>
-          </a:p>
-          <a:p>
-            <a:pPr marL="0" indent="0" algn="ctr">
-              <a:buNone/>
-            </a:pPr>
-            <a:r>
-              <a:rPr lang="zh-CN" altLang="zh-TW" sz="5400" b="1" dirty="0">
-                <a:solidFill>
-                  <a:srgbClr val="002060"/>
-                </a:solidFill>
-                <a:latin typeface="Microsoft JhengHei" panose="020B0604030504040204" pitchFamily="34" charset="-120"/>
-                <a:ea typeface="Microsoft JhengHei" panose="020B0604030504040204" pitchFamily="34" charset="-120"/>
-              </a:rPr>
-              <a:t>說道此杯表明我血</a:t>
-            </a:r>
-          </a:p>
-          <a:p>
-            <a:pPr marL="0" indent="0" algn="ctr">
-              <a:buNone/>
-            </a:pPr>
-            <a:r>
-              <a:rPr lang="zh-CN" altLang="zh-TW" sz="5400" b="1" dirty="0">
-                <a:solidFill>
-                  <a:srgbClr val="002060"/>
-                </a:solidFill>
-                <a:latin typeface="Microsoft JhengHei" panose="020B0604030504040204" pitchFamily="34" charset="-120"/>
-                <a:ea typeface="Microsoft JhengHei" panose="020B0604030504040204" pitchFamily="34" charset="-120"/>
-              </a:rPr>
-              <a:t>流出贖人罪</a:t>
-            </a:r>
-            <a:r>
-              <a:rPr lang="zh-CN" altLang="zh-TW" sz="5400" b="1" dirty="0">
-                <a:solidFill>
-                  <a:srgbClr val="002060"/>
-                </a:solidFill>
-                <a:latin typeface="Microsoft JhengHei" panose="020B0604030504040204" pitchFamily="34" charset="-120"/>
-                <a:ea typeface="Microsoft JhengHei" panose="020B0604030504040204" pitchFamily="34" charset="-120"/>
-              </a:rPr>
-              <a:t>愆</a:t>
-            </a:r>
-            <a:endParaRPr lang="en-US" altLang="zh-CN" sz="5400" b="1" dirty="0">
-              <a:solidFill>
-                <a:srgbClr val="002060"/>
-              </a:solidFill>
-              <a:latin typeface="Microsoft JhengHei" panose="020B0604030504040204" pitchFamily="34" charset="-120"/>
-              <a:ea typeface="Microsoft JhengHei" panose="020B0604030504040204" pitchFamily="34" charset="-120"/>
-            </a:endParaRPr>
-          </a:p>
-          <a:p>
-            <a:pPr marL="0" indent="0" algn="ctr">
-              <a:buNone/>
-            </a:pPr>
-            <a:r>
-              <a:rPr lang="zh-CN" altLang="zh-TW" sz="5400" b="1" dirty="0">
-                <a:solidFill>
-                  <a:srgbClr val="002060"/>
-                </a:solidFill>
-                <a:latin typeface="Microsoft JhengHei" panose="020B0604030504040204" pitchFamily="34" charset="-120"/>
-                <a:ea typeface="Microsoft JhengHei" panose="020B0604030504040204" pitchFamily="34" charset="-120"/>
-                <a:sym typeface="+mn-ea"/>
-              </a:rPr>
-              <a:t>流</a:t>
-            </a:r>
-            <a:r>
-              <a:rPr lang="zh-CN" altLang="zh-TW" sz="5400" b="1" dirty="0">
-                <a:solidFill>
-                  <a:srgbClr val="002060"/>
-                </a:solidFill>
-                <a:latin typeface="Microsoft JhengHei" panose="020B0604030504040204" pitchFamily="34" charset="-120"/>
-                <a:ea typeface="Microsoft JhengHei" panose="020B0604030504040204" pitchFamily="34" charset="-120"/>
-                <a:sym typeface="+mn-ea"/>
-              </a:rPr>
-              <a:t>出贖人罪愆</a:t>
-            </a:r>
-            <a:endParaRPr lang="zh-CN" altLang="zh-TW" sz="5400" b="1" dirty="0">
-              <a:solidFill>
-                <a:srgbClr val="002060"/>
-              </a:solidFill>
-              <a:latin typeface="Microsoft JhengHei" panose="020B0604030504040204" pitchFamily="34" charset="-120"/>
-              <a:ea typeface="Microsoft JhengHei" panose="020B0604030504040204" pitchFamily="34" charset="-120"/>
-            </a:endParaRPr>
-          </a:p>
-        </p:txBody>
-      </p:sp>
-      <p:sp>
-        <p:nvSpPr>
-          <p:cNvPr id="6" name="Text Box 1"/>
-          <p:cNvSpPr txBox="1"/>
-          <p:nvPr/>
-        </p:nvSpPr>
-        <p:spPr>
-          <a:xfrm>
-            <a:off x="1055440" y="1700808"/>
-            <a:ext cx="1351226" cy="923330"/>
+            <a:off x="1103445" y="2215367"/>
+            <a:ext cx="1248139" cy="1077218"/>
           </a:xfrm>
           <a:prstGeom prst="rect">
             <a:avLst/>
           </a:prstGeom>
           <a:noFill/>
-          <a:ln w="9525">
-            <a:noFill/>
-            <a:miter lim="800000"/>
-          </a:ln>
         </p:spPr>
         <p:txBody>
-          <a:bodyPr wrap="square">
+          <a:bodyPr wrap="square" rtlCol="0">
             <a:spAutoFit/>
           </a:bodyPr>
           <a:lstStyle/>
           <a:p>
-            <a:pPr algn="ctr"/>
-            <a:r>
-              <a:rPr lang="en-US" sz="5400" b="1" dirty="0">
-                <a:solidFill>
-                  <a:srgbClr val="002060"/>
+            <a:r>
+              <a:rPr lang="en-US" sz="6400" b="1" dirty="0">
+                <a:solidFill>
+                  <a:srgbClr val="000066"/>
                 </a:solidFill>
               </a:rPr>
-              <a:t>3</a:t>
-            </a:r>
-            <a:r>
-              <a:rPr lang="en-US" sz="5400" b="1" dirty="0" smtClean="0">
-                <a:solidFill>
-                  <a:srgbClr val="002060"/>
-                </a:solidFill>
-              </a:rPr>
-              <a:t>.</a:t>
-            </a:r>
-            <a:endParaRPr lang="en-US" sz="5400" b="1" dirty="0">
+              <a:t>1.</a:t>
+            </a:r>
+            <a:endParaRPr lang="vi-VN" sz="6400" b="1" dirty="0">
               <a:solidFill>
-                <a:srgbClr val="002060"/>
+                <a:srgbClr val="000066"/>
               </a:solidFill>
             </a:endParaRPr>
           </a:p>
@@ -4508,20 +4453,13 @@
     </p:spTree>
     <p:extLst>
       <p:ext uri="{BB962C8B-B14F-4D97-AF65-F5344CB8AC3E}">
-        <p14:creationId xmlns:p14="http://schemas.microsoft.com/office/powerpoint/2010/main" val="1202738656"/>
+        <p14:creationId xmlns:p14="http://schemas.microsoft.com/office/powerpoint/2010/main" val="1147579938"/>
       </p:ext>
     </p:extLst>
   </p:cSld>
   <p:clrMapOvr>
     <a:masterClrMapping/>
   </p:clrMapOvr>
-  <p:timing>
-    <p:tnLst>
-      <p:par>
-        <p:cTn id="1" dur="indefinite" restart="never" nodeType="tmRoot"/>
-      </p:par>
-    </p:tnLst>
-  </p:timing>
 </p:sld>
 </file>
 
@@ -4544,234 +4482,97 @@
       </p:grpSpPr>
       <p:sp>
         <p:nvSpPr>
-          <p:cNvPr id="4" name="Title 3"/>
-          <p:cNvSpPr>
-            <a:spLocks noGrp="1"/>
-          </p:cNvSpPr>
-          <p:nvPr>
-            <p:ph type="title"/>
-          </p:nvPr>
-        </p:nvSpPr>
-        <p:spPr/>
-        <p:txBody>
-          <a:bodyPr>
+          <p:cNvPr id="5" name="內容版面配置區 4"/>
+          <p:cNvSpPr>
+            <a:spLocks noGrp="1"/>
+          </p:cNvSpPr>
+          <p:nvPr>
+            <p:ph idx="1"/>
+          </p:nvPr>
+        </p:nvSpPr>
+        <p:spPr>
+          <a:xfrm>
+            <a:off x="0" y="2084851"/>
+            <a:ext cx="12192000" cy="2404863"/>
+          </a:xfrm>
+        </p:spPr>
+        <p:txBody>
+          <a:bodyPr anchor="ctr">
             <a:normAutofit/>
           </a:bodyPr>
           <a:lstStyle/>
           <a:p>
-            <a:r>
-              <a:rPr lang="en-US" altLang="zh-CN" sz="4800" b="1" dirty="0">
-                <a:solidFill>
-                  <a:srgbClr val="002060"/>
+            <a:pPr marL="0" indent="0" algn="ctr">
+              <a:buNone/>
+            </a:pPr>
+            <a:r>
+              <a:rPr lang="zh-CN" altLang="zh-TW" sz="6400" b="1" dirty="0">
+                <a:solidFill>
+                  <a:srgbClr val="000066"/>
                 </a:solidFill>
                 <a:latin typeface="Microsoft JhengHei" panose="020B0604030504040204" pitchFamily="34" charset="-120"/>
                 <a:ea typeface="Microsoft JhengHei" panose="020B0604030504040204" pitchFamily="34" charset="-120"/>
               </a:rPr>
-              <a:t>【</a:t>
-            </a:r>
-            <a:r>
-              <a:rPr lang="zh-CN" altLang="en-US" sz="4800" b="1" dirty="0">
-                <a:solidFill>
-                  <a:srgbClr val="002060"/>
+              <a:t>隨說你等取餅而食</a:t>
+            </a:r>
+          </a:p>
+          <a:p>
+            <a:pPr marL="0" indent="0" algn="ctr">
+              <a:buNone/>
+            </a:pPr>
+            <a:r>
+              <a:rPr lang="zh-CN" altLang="zh-TW" sz="6400" b="1" dirty="0">
+                <a:solidFill>
+                  <a:srgbClr val="000066"/>
                 </a:solidFill>
                 <a:latin typeface="Microsoft JhengHei" panose="020B0604030504040204" pitchFamily="34" charset="-120"/>
                 <a:ea typeface="Microsoft JhengHei" panose="020B0604030504040204" pitchFamily="34" charset="-120"/>
               </a:rPr>
-              <a:t>聖餐</a:t>
-            </a:r>
-            <a:r>
-              <a:rPr lang="en-US" altLang="zh-CN" sz="4800" b="1" dirty="0">
-                <a:solidFill>
-                  <a:srgbClr val="002060"/>
-                </a:solidFill>
-                <a:latin typeface="Microsoft JhengHei" panose="020B0604030504040204" pitchFamily="34" charset="-120"/>
-                <a:ea typeface="Microsoft JhengHei" panose="020B0604030504040204" pitchFamily="34" charset="-120"/>
-              </a:rPr>
-              <a:t>】</a:t>
-            </a:r>
-          </a:p>
-        </p:txBody>
-      </p:sp>
-      <p:sp>
-        <p:nvSpPr>
-          <p:cNvPr id="5" name="Content Placeholder 4"/>
-          <p:cNvSpPr>
-            <a:spLocks noGrp="1"/>
-          </p:cNvSpPr>
-          <p:nvPr>
-            <p:ph idx="1"/>
-          </p:nvPr>
-        </p:nvSpPr>
-        <p:spPr>
-          <a:xfrm>
-            <a:off x="0" y="1600203"/>
-            <a:ext cx="12192000" cy="5257797"/>
-          </a:xfrm>
-        </p:spPr>
-        <p:txBody>
-          <a:bodyPr>
-            <a:normAutofit/>
-          </a:bodyPr>
-          <a:lstStyle/>
-          <a:p>
-            <a:pPr marL="0" indent="0" algn="ctr">
-              <a:buNone/>
-            </a:pPr>
-            <a:r>
-              <a:rPr lang="zh-CN" altLang="zh-TW" sz="5400" b="1" dirty="0">
-                <a:solidFill>
-                  <a:srgbClr val="002060"/>
-                </a:solidFill>
-                <a:latin typeface="Microsoft JhengHei" panose="020B0604030504040204" pitchFamily="34" charset="-120"/>
-                <a:ea typeface="Microsoft JhengHei" panose="020B0604030504040204" pitchFamily="34" charset="-120"/>
-              </a:rPr>
-              <a:t>你當食餅你當飲杯</a:t>
-            </a:r>
-          </a:p>
-          <a:p>
-            <a:pPr marL="0" indent="0" algn="ctr">
-              <a:buNone/>
-            </a:pPr>
-            <a:r>
-              <a:rPr lang="zh-CN" altLang="zh-TW" sz="5400" b="1" dirty="0">
-                <a:solidFill>
-                  <a:srgbClr val="002060"/>
-                </a:solidFill>
-                <a:latin typeface="Microsoft JhengHei" panose="020B0604030504040204" pitchFamily="34" charset="-120"/>
-                <a:ea typeface="Microsoft JhengHei" panose="020B0604030504040204" pitchFamily="34" charset="-120"/>
-              </a:rPr>
-              <a:t>顯我代你受苦</a:t>
-            </a:r>
-          </a:p>
-          <a:p>
-            <a:pPr marL="0" indent="0" algn="ctr">
-              <a:buNone/>
-            </a:pPr>
-            <a:r>
-              <a:rPr lang="zh-CN" altLang="zh-TW" sz="5400" b="1" dirty="0">
-                <a:solidFill>
-                  <a:srgbClr val="002060"/>
-                </a:solidFill>
-                <a:latin typeface="Microsoft JhengHei" panose="020B0604030504040204" pitchFamily="34" charset="-120"/>
-                <a:ea typeface="Microsoft JhengHei" panose="020B0604030504040204" pitchFamily="34" charset="-120"/>
-              </a:rPr>
-              <a:t>直到末日我再降臨</a:t>
-            </a:r>
-          </a:p>
-          <a:p>
-            <a:pPr marL="0" indent="0" algn="ctr">
-              <a:buNone/>
-            </a:pPr>
-            <a:r>
-              <a:rPr lang="zh-CN" altLang="zh-TW" sz="5400" b="1" dirty="0">
-                <a:solidFill>
-                  <a:srgbClr val="002060"/>
-                </a:solidFill>
-                <a:latin typeface="Microsoft JhengHei" panose="020B0604030504040204" pitchFamily="34" charset="-120"/>
-                <a:ea typeface="Microsoft JhengHei" panose="020B0604030504040204" pitchFamily="34" charset="-120"/>
-              </a:rPr>
-              <a:t>此禮不可停</a:t>
-            </a:r>
-            <a:r>
-              <a:rPr lang="zh-CN" altLang="zh-TW" sz="5400" b="1" dirty="0">
-                <a:solidFill>
-                  <a:srgbClr val="002060"/>
-                </a:solidFill>
-                <a:latin typeface="Microsoft JhengHei" panose="020B0604030504040204" pitchFamily="34" charset="-120"/>
-                <a:ea typeface="Microsoft JhengHei" panose="020B0604030504040204" pitchFamily="34" charset="-120"/>
-              </a:rPr>
-              <a:t>止</a:t>
-            </a:r>
-            <a:endParaRPr lang="en-US" altLang="zh-CN" sz="5400" b="1" dirty="0">
+              <a:t>因此表明我體</a:t>
+            </a:r>
+            <a:endParaRPr lang="zh-CN" altLang="zh-TW" sz="6400" b="1" dirty="0">
               <a:solidFill>
-                <a:srgbClr val="002060"/>
+                <a:srgbClr val="000066"/>
               </a:solidFill>
               <a:latin typeface="Microsoft JhengHei" panose="020B0604030504040204" pitchFamily="34" charset="-120"/>
               <a:ea typeface="Microsoft JhengHei" panose="020B0604030504040204" pitchFamily="34" charset="-120"/>
             </a:endParaRPr>
           </a:p>
-          <a:p>
-            <a:pPr marL="0" indent="0" algn="ctr">
-              <a:buNone/>
-            </a:pPr>
-            <a:r>
-              <a:rPr lang="zh-CN" altLang="zh-TW" sz="5400" b="1" dirty="0">
-                <a:solidFill>
-                  <a:srgbClr val="002060"/>
-                </a:solidFill>
-                <a:latin typeface="Microsoft JhengHei" panose="020B0604030504040204" pitchFamily="34" charset="-120"/>
-                <a:ea typeface="Microsoft JhengHei" panose="020B0604030504040204" pitchFamily="34" charset="-120"/>
-                <a:sym typeface="+mn-ea"/>
-              </a:rPr>
-              <a:t>此</a:t>
-            </a:r>
-            <a:r>
-              <a:rPr lang="zh-CN" altLang="zh-TW" sz="5400" b="1" dirty="0">
-                <a:solidFill>
-                  <a:srgbClr val="002060"/>
-                </a:solidFill>
-                <a:latin typeface="Microsoft JhengHei" panose="020B0604030504040204" pitchFamily="34" charset="-120"/>
-                <a:ea typeface="Microsoft JhengHei" panose="020B0604030504040204" pitchFamily="34" charset="-120"/>
-                <a:sym typeface="+mn-ea"/>
-              </a:rPr>
-              <a:t>禮不可停止</a:t>
-            </a:r>
-            <a:endParaRPr lang="zh-CN" altLang="zh-TW" sz="5400" b="1" dirty="0">
-              <a:solidFill>
-                <a:srgbClr val="002060"/>
-              </a:solidFill>
-              <a:latin typeface="Microsoft JhengHei" panose="020B0604030504040204" pitchFamily="34" charset="-120"/>
-              <a:ea typeface="Microsoft JhengHei" panose="020B0604030504040204" pitchFamily="34" charset="-120"/>
-            </a:endParaRPr>
-          </a:p>
-        </p:txBody>
-      </p:sp>
-      <p:sp>
-        <p:nvSpPr>
-          <p:cNvPr id="6" name="Text Box 1"/>
+        </p:txBody>
+      </p:sp>
+      <p:sp>
+        <p:nvSpPr>
+          <p:cNvPr id="3" name="TextBox 2"/>
           <p:cNvSpPr txBox="1"/>
           <p:nvPr/>
         </p:nvSpPr>
         <p:spPr>
           <a:xfrm>
-            <a:off x="1055440" y="1700808"/>
-            <a:ext cx="1351226" cy="923330"/>
+            <a:off x="1103445" y="2215367"/>
+            <a:ext cx="1248139" cy="1077218"/>
           </a:xfrm>
           <a:prstGeom prst="rect">
             <a:avLst/>
           </a:prstGeom>
           <a:noFill/>
-          <a:ln w="9525">
-            <a:noFill/>
-            <a:miter lim="800000"/>
-          </a:ln>
         </p:spPr>
         <p:txBody>
-          <a:bodyPr wrap="square">
+          <a:bodyPr wrap="square" rtlCol="0">
             <a:spAutoFit/>
           </a:bodyPr>
           <a:lstStyle/>
           <a:p>
-            <a:pPr algn="ctr"/>
-            <a:r>
-              <a:rPr lang="en-US" sz="5400" b="1" dirty="0">
-                <a:solidFill>
-                  <a:srgbClr val="002060"/>
+            <a:r>
+              <a:rPr lang="en-US" sz="6400" b="1" dirty="0">
+                <a:solidFill>
+                  <a:srgbClr val="000066"/>
                 </a:solidFill>
               </a:rPr>
-              <a:t>4</a:t>
-            </a:r>
-            <a:r>
-              <a:rPr lang="en-US" sz="5400" b="1" dirty="0" smtClean="0">
-                <a:solidFill>
-                  <a:srgbClr val="002060"/>
-                </a:solidFill>
-              </a:rPr>
-              <a:t>.</a:t>
-            </a:r>
-            <a:endParaRPr lang="en-US" sz="5400" b="1" dirty="0">
+              <a:t>2.</a:t>
+            </a:r>
+            <a:endParaRPr lang="vi-VN" sz="6400" b="1" dirty="0">
               <a:solidFill>
-                <a:srgbClr val="002060"/>
+                <a:srgbClr val="000066"/>
               </a:solidFill>
             </a:endParaRPr>
           </a:p>
@@ -4780,20 +4581,13 @@
     </p:spTree>
     <p:extLst>
       <p:ext uri="{BB962C8B-B14F-4D97-AF65-F5344CB8AC3E}">
-        <p14:creationId xmlns:p14="http://schemas.microsoft.com/office/powerpoint/2010/main" val="795144344"/>
+        <p14:creationId xmlns:p14="http://schemas.microsoft.com/office/powerpoint/2010/main" val="2895207636"/>
       </p:ext>
     </p:extLst>
   </p:cSld>
   <p:clrMapOvr>
     <a:masterClrMapping/>
   </p:clrMapOvr>
-  <p:timing>
-    <p:tnLst>
-      <p:par>
-        <p:cTn id="1" dur="indefinite" restart="never" nodeType="tmRoot"/>
-      </p:par>
-    </p:tnLst>
-  </p:timing>
 </p:sld>
 </file>
 
@@ -4816,206 +4610,132 @@
       </p:grpSpPr>
       <p:sp>
         <p:nvSpPr>
-          <p:cNvPr id="4" name="Title 3"/>
-          <p:cNvSpPr>
-            <a:spLocks noGrp="1"/>
-          </p:cNvSpPr>
-          <p:nvPr>
-            <p:ph type="title"/>
-          </p:nvPr>
-        </p:nvSpPr>
-        <p:spPr/>
-        <p:txBody>
-          <a:bodyPr>
+          <p:cNvPr id="5" name="內容版面配置區 4"/>
+          <p:cNvSpPr>
+            <a:spLocks noGrp="1"/>
+          </p:cNvSpPr>
+          <p:nvPr>
+            <p:ph idx="1"/>
+          </p:nvPr>
+        </p:nvSpPr>
+        <p:spPr>
+          <a:xfrm>
+            <a:off x="0" y="2084851"/>
+            <a:ext cx="12192000" cy="2404863"/>
+          </a:xfrm>
+        </p:spPr>
+        <p:txBody>
+          <a:bodyPr anchor="ctr">
             <a:normAutofit/>
           </a:bodyPr>
           <a:lstStyle/>
           <a:p>
-            <a:r>
-              <a:rPr lang="en-US" altLang="zh-CN" sz="4800" b="1" dirty="0">
-                <a:solidFill>
-                  <a:srgbClr val="002060"/>
+            <a:pPr marL="0" indent="0" algn="ctr">
+              <a:buNone/>
+            </a:pPr>
+            <a:r>
+              <a:rPr lang="zh-CN" altLang="zh-TW" sz="6400" b="1" dirty="0">
+                <a:solidFill>
+                  <a:srgbClr val="000066"/>
                 </a:solidFill>
                 <a:latin typeface="Microsoft JhengHei" panose="020B0604030504040204" pitchFamily="34" charset="-120"/>
                 <a:ea typeface="Microsoft JhengHei" panose="020B0604030504040204" pitchFamily="34" charset="-120"/>
               </a:rPr>
-              <a:t>【</a:t>
-            </a:r>
-            <a:r>
-              <a:rPr lang="zh-CN" altLang="en-US" sz="4800" b="1" dirty="0">
-                <a:solidFill>
-                  <a:srgbClr val="002060"/>
-                </a:solidFill>
-                <a:latin typeface="Microsoft JhengHei" panose="020B0604030504040204" pitchFamily="34" charset="-120"/>
-                <a:ea typeface="Microsoft JhengHei" panose="020B0604030504040204" pitchFamily="34" charset="-120"/>
-              </a:rPr>
-              <a:t>聖餐</a:t>
-            </a:r>
-            <a:r>
-              <a:rPr lang="en-US" altLang="zh-CN" sz="4800" b="1" dirty="0">
-                <a:solidFill>
-                  <a:srgbClr val="002060"/>
-                </a:solidFill>
-                <a:latin typeface="Microsoft JhengHei" panose="020B0604030504040204" pitchFamily="34" charset="-120"/>
-                <a:ea typeface="Microsoft JhengHei" panose="020B0604030504040204" pitchFamily="34" charset="-120"/>
-              </a:rPr>
-              <a:t>】</a:t>
-            </a:r>
-          </a:p>
-        </p:txBody>
-      </p:sp>
-      <p:sp>
-        <p:nvSpPr>
-          <p:cNvPr id="5" name="Content Placeholder 4"/>
-          <p:cNvSpPr>
-            <a:spLocks noGrp="1"/>
-          </p:cNvSpPr>
-          <p:nvPr>
-            <p:ph idx="1"/>
-          </p:nvPr>
-        </p:nvSpPr>
-        <p:spPr>
-          <a:xfrm>
-            <a:off x="0" y="1600203"/>
-            <a:ext cx="12192000" cy="5257797"/>
-          </a:xfrm>
-        </p:spPr>
-        <p:txBody>
-          <a:bodyPr>
-            <a:normAutofit/>
-          </a:bodyPr>
-          <a:lstStyle/>
-          <a:p>
-            <a:pPr marL="0" indent="0" algn="ctr">
-              <a:buNone/>
-            </a:pPr>
-            <a:r>
-              <a:rPr lang="zh-CN" altLang="zh-TW" sz="5400" b="1" dirty="0">
-                <a:solidFill>
-                  <a:srgbClr val="002060"/>
-                </a:solidFill>
-                <a:latin typeface="Microsoft JhengHei" panose="020B0604030504040204" pitchFamily="34" charset="-120"/>
-                <a:ea typeface="Microsoft JhengHei" panose="020B0604030504040204" pitchFamily="34" charset="-120"/>
-              </a:rPr>
-              <a:t>我等在此謹守聖禮</a:t>
-            </a:r>
-          </a:p>
-          <a:p>
-            <a:pPr marL="0" indent="0" algn="ctr">
-              <a:buNone/>
-            </a:pPr>
-            <a:r>
-              <a:rPr lang="zh-CN" altLang="zh-TW" sz="5400" b="1" dirty="0">
-                <a:solidFill>
-                  <a:srgbClr val="002060"/>
-                </a:solidFill>
-                <a:latin typeface="Microsoft JhengHei" panose="020B0604030504040204" pitchFamily="34" charset="-120"/>
-                <a:ea typeface="Microsoft JhengHei" panose="020B0604030504040204" pitchFamily="34" charset="-120"/>
-              </a:rPr>
-              <a:t>紀念主大愛情</a:t>
-            </a:r>
-          </a:p>
-          <a:p>
-            <a:pPr marL="0" indent="0" algn="ctr">
-              <a:buNone/>
-            </a:pPr>
-            <a:r>
-              <a:rPr lang="zh-CN" altLang="zh-TW" sz="5400" b="1" dirty="0">
-                <a:solidFill>
-                  <a:srgbClr val="002060"/>
-                </a:solidFill>
-                <a:latin typeface="Microsoft JhengHei" panose="020B0604030504040204" pitchFamily="34" charset="-120"/>
-                <a:ea typeface="Microsoft JhengHei" panose="020B0604030504040204" pitchFamily="34" charset="-120"/>
-              </a:rPr>
-              <a:t>我主日日與我同住</a:t>
-            </a:r>
-          </a:p>
-          <a:p>
-            <a:pPr marL="0" indent="0" algn="ctr">
-              <a:buNone/>
-            </a:pPr>
-            <a:r>
-              <a:rPr lang="zh-CN" altLang="zh-TW" sz="5400" b="1" dirty="0">
-                <a:solidFill>
-                  <a:srgbClr val="002060"/>
-                </a:solidFill>
-                <a:latin typeface="Microsoft JhengHei" panose="020B0604030504040204" pitchFamily="34" charset="-120"/>
-                <a:ea typeface="Microsoft JhengHei" panose="020B0604030504040204" pitchFamily="34" charset="-120"/>
-              </a:rPr>
-              <a:t>至終接到天庭</a:t>
-            </a:r>
-          </a:p>
-          <a:p>
-            <a:pPr marL="0" indent="0" algn="ctr">
-              <a:buNone/>
-            </a:pPr>
-            <a:r>
-              <a:rPr lang="zh-CN" altLang="zh-TW" sz="5400" b="1" dirty="0">
-                <a:solidFill>
-                  <a:srgbClr val="002060"/>
+              <a:t>為你眾人</a:t>
+            </a:r>
+            <a:r>
+              <a:rPr lang="zh-CN" altLang="zh-TW" sz="6400" b="1" dirty="0">
+                <a:solidFill>
+                  <a:srgbClr val="000066"/>
                 </a:solidFill>
                 <a:latin typeface="Microsoft JhengHei" panose="020B0604030504040204" pitchFamily="34" charset="-120"/>
                 <a:ea typeface="Microsoft JhengHei" panose="020B0604030504040204" pitchFamily="34" charset="-120"/>
                 <a:sym typeface="+mn-ea"/>
               </a:rPr>
-              <a:t>至終接到天庭</a:t>
-            </a:r>
-            <a:endParaRPr lang="zh-CN" altLang="zh-TW" sz="5400" b="1" dirty="0">
+              <a:t>擘開受苦</a:t>
+            </a:r>
+          </a:p>
+          <a:p>
+            <a:pPr marL="0" indent="0" algn="ctr">
+              <a:buNone/>
+            </a:pPr>
+            <a:r>
+              <a:rPr lang="zh-CN" altLang="zh-TW" sz="6400" b="1" dirty="0">
+                <a:solidFill>
+                  <a:srgbClr val="000066"/>
+                </a:solidFill>
+                <a:latin typeface="Microsoft JhengHei" panose="020B0604030504040204" pitchFamily="34" charset="-120"/>
+                <a:ea typeface="Microsoft JhengHei" panose="020B0604030504040204" pitchFamily="34" charset="-120"/>
+                <a:sym typeface="+mn-ea"/>
+              </a:rPr>
+              <a:t>領時將我記憶</a:t>
+            </a:r>
+            <a:r>
+              <a:rPr lang="en-US" altLang="zh-CN" sz="6400" b="1" dirty="0">
+                <a:solidFill>
+                  <a:srgbClr val="000066"/>
+                </a:solidFill>
+                <a:latin typeface="Microsoft JhengHei" panose="020B0604030504040204" pitchFamily="34" charset="-120"/>
+                <a:ea typeface="Microsoft JhengHei" panose="020B0604030504040204" pitchFamily="34" charset="-120"/>
+                <a:sym typeface="+mn-ea"/>
+              </a:rPr>
+              <a:t>  </a:t>
+            </a:r>
+            <a:r>
+              <a:rPr lang="zh-CN" altLang="zh-TW" sz="6400" b="1" dirty="0">
+                <a:solidFill>
+                  <a:srgbClr val="000066"/>
+                </a:solidFill>
+                <a:latin typeface="Microsoft JhengHei" panose="020B0604030504040204" pitchFamily="34" charset="-120"/>
+                <a:ea typeface="Microsoft JhengHei" panose="020B0604030504040204" pitchFamily="34" charset="-120"/>
+                <a:sym typeface="+mn-ea"/>
+              </a:rPr>
+              <a:t>領時將我記憶</a:t>
+            </a:r>
+            <a:endParaRPr lang="zh-CN" altLang="zh-TW" sz="6400" b="1" dirty="0">
               <a:solidFill>
-                <a:srgbClr val="002060"/>
+                <a:srgbClr val="000066"/>
               </a:solidFill>
               <a:latin typeface="Microsoft JhengHei" panose="020B0604030504040204" pitchFamily="34" charset="-120"/>
               <a:ea typeface="Microsoft JhengHei" panose="020B0604030504040204" pitchFamily="34" charset="-120"/>
+              <a:sym typeface="+mn-ea"/>
             </a:endParaRPr>
           </a:p>
         </p:txBody>
       </p:sp>
       <p:sp>
         <p:nvSpPr>
-          <p:cNvPr id="6" name="Text Box 1"/>
+          <p:cNvPr id="3" name="TextBox 2"/>
           <p:cNvSpPr txBox="1"/>
           <p:nvPr/>
         </p:nvSpPr>
         <p:spPr>
           <a:xfrm>
-            <a:off x="1055440" y="1700808"/>
-            <a:ext cx="1351226" cy="923330"/>
+            <a:off x="1103445" y="2215367"/>
+            <a:ext cx="1248139" cy="1077218"/>
           </a:xfrm>
           <a:prstGeom prst="rect">
             <a:avLst/>
           </a:prstGeom>
           <a:noFill/>
-          <a:ln w="9525">
-            <a:noFill/>
-            <a:miter lim="800000"/>
-          </a:ln>
         </p:spPr>
         <p:txBody>
-          <a:bodyPr wrap="square">
+          <a:bodyPr wrap="square" rtlCol="0">
             <a:spAutoFit/>
           </a:bodyPr>
           <a:lstStyle/>
           <a:p>
-            <a:pPr algn="ctr"/>
-            <a:r>
-              <a:rPr lang="en-US" sz="5400" b="1" dirty="0">
-                <a:solidFill>
-                  <a:srgbClr val="002060"/>
+            <a:r>
+              <a:rPr lang="en-US" sz="6400" b="1" dirty="0">
+                <a:solidFill>
+                  <a:srgbClr val="000066"/>
                 </a:solidFill>
               </a:rPr>
-              <a:t>5</a:t>
-            </a:r>
-            <a:r>
-              <a:rPr lang="en-US" sz="5400" b="1" dirty="0" smtClean="0">
-                <a:solidFill>
-                  <a:srgbClr val="002060"/>
-                </a:solidFill>
-              </a:rPr>
-              <a:t>.</a:t>
-            </a:r>
-            <a:endParaRPr lang="en-US" sz="5400" b="1" dirty="0">
+              <a:t>2.</a:t>
+            </a:r>
+            <a:endParaRPr lang="vi-VN" sz="6400" b="1" dirty="0">
               <a:solidFill>
-                <a:srgbClr val="002060"/>
+                <a:srgbClr val="000066"/>
               </a:solidFill>
             </a:endParaRPr>
           </a:p>
@@ -5024,20 +4744,567 @@
     </p:spTree>
     <p:extLst>
       <p:ext uri="{BB962C8B-B14F-4D97-AF65-F5344CB8AC3E}">
-        <p14:creationId xmlns:p14="http://schemas.microsoft.com/office/powerpoint/2010/main" val="2962110734"/>
+        <p14:creationId xmlns:p14="http://schemas.microsoft.com/office/powerpoint/2010/main" val="2638009774"/>
       </p:ext>
     </p:extLst>
   </p:cSld>
   <p:clrMapOvr>
     <a:masterClrMapping/>
   </p:clrMapOvr>
-  <p:timing>
-    <p:tnLst>
-      <p:par>
-        <p:cTn id="1" dur="indefinite" restart="never" nodeType="tmRoot"/>
-      </p:par>
-    </p:tnLst>
-  </p:timing>
+</p:sld>
+</file>
+
+<file path=ppt/slides/slide6.xml><?xml version="1.0" encoding="utf-8"?>
+<p:sld xmlns:a="http://schemas.openxmlformats.org/drawingml/2006/main" xmlns:r="http://schemas.openxmlformats.org/officeDocument/2006/relationships" xmlns:p="http://schemas.openxmlformats.org/presentationml/2006/main">
+  <p:cSld>
+    <p:spTree>
+      <p:nvGrpSpPr>
+        <p:cNvPr id="1" name=""/>
+        <p:cNvGrpSpPr/>
+        <p:nvPr/>
+      </p:nvGrpSpPr>
+      <p:grpSpPr>
+        <a:xfrm>
+          <a:off x="0" y="0"/>
+          <a:ext cx="0" cy="0"/>
+          <a:chOff x="0" y="0"/>
+          <a:chExt cx="0" cy="0"/>
+        </a:xfrm>
+      </p:grpSpPr>
+      <p:sp>
+        <p:nvSpPr>
+          <p:cNvPr id="5" name="內容版面配置區 4"/>
+          <p:cNvSpPr>
+            <a:spLocks noGrp="1"/>
+          </p:cNvSpPr>
+          <p:nvPr>
+            <p:ph idx="1"/>
+          </p:nvPr>
+        </p:nvSpPr>
+        <p:spPr>
+          <a:xfrm>
+            <a:off x="0" y="2084851"/>
+            <a:ext cx="12192000" cy="2404863"/>
+          </a:xfrm>
+        </p:spPr>
+        <p:txBody>
+          <a:bodyPr anchor="ctr">
+            <a:normAutofit/>
+          </a:bodyPr>
+          <a:lstStyle/>
+          <a:p>
+            <a:pPr marL="0" indent="0" algn="ctr">
+              <a:buNone/>
+            </a:pPr>
+            <a:r>
+              <a:rPr lang="zh-CN" altLang="zh-TW" sz="6400" b="1" dirty="0">
+                <a:solidFill>
+                  <a:srgbClr val="000066"/>
+                </a:solidFill>
+                <a:latin typeface="Microsoft JhengHei" panose="020B0604030504040204" pitchFamily="34" charset="-120"/>
+                <a:ea typeface="Microsoft JhengHei" panose="020B0604030504040204" pitchFamily="34" charset="-120"/>
+              </a:rPr>
+              <a:t>後舉起杯如前祝告</a:t>
+            </a:r>
+          </a:p>
+          <a:p>
+            <a:pPr marL="0" indent="0" algn="ctr">
+              <a:buNone/>
+            </a:pPr>
+            <a:r>
+              <a:rPr lang="zh-CN" altLang="zh-TW" sz="6400" b="1" dirty="0">
+                <a:solidFill>
+                  <a:srgbClr val="000066"/>
+                </a:solidFill>
+                <a:latin typeface="Microsoft JhengHei" panose="020B0604030504040204" pitchFamily="34" charset="-120"/>
+                <a:ea typeface="Microsoft JhengHei" panose="020B0604030504040204" pitchFamily="34" charset="-120"/>
+              </a:rPr>
+              <a:t>遞給門徒同喝</a:t>
+            </a:r>
+            <a:endParaRPr lang="zh-CN" altLang="zh-TW" sz="6400" b="1" dirty="0">
+              <a:solidFill>
+                <a:srgbClr val="000066"/>
+              </a:solidFill>
+              <a:latin typeface="Microsoft JhengHei" panose="020B0604030504040204" pitchFamily="34" charset="-120"/>
+              <a:ea typeface="Microsoft JhengHei" panose="020B0604030504040204" pitchFamily="34" charset="-120"/>
+            </a:endParaRPr>
+          </a:p>
+        </p:txBody>
+      </p:sp>
+      <p:sp>
+        <p:nvSpPr>
+          <p:cNvPr id="3" name="TextBox 2"/>
+          <p:cNvSpPr txBox="1"/>
+          <p:nvPr/>
+        </p:nvSpPr>
+        <p:spPr>
+          <a:xfrm>
+            <a:off x="1103445" y="2215367"/>
+            <a:ext cx="1248139" cy="1077218"/>
+          </a:xfrm>
+          <a:prstGeom prst="rect">
+            <a:avLst/>
+          </a:prstGeom>
+          <a:noFill/>
+        </p:spPr>
+        <p:txBody>
+          <a:bodyPr wrap="square" rtlCol="0">
+            <a:spAutoFit/>
+          </a:bodyPr>
+          <a:lstStyle/>
+          <a:p>
+            <a:r>
+              <a:rPr lang="en-US" sz="6400" b="1" dirty="0">
+                <a:solidFill>
+                  <a:srgbClr val="000066"/>
+                </a:solidFill>
+              </a:rPr>
+              <a:t>3.</a:t>
+            </a:r>
+            <a:endParaRPr lang="vi-VN" sz="6400" b="1" dirty="0">
+              <a:solidFill>
+                <a:srgbClr val="000066"/>
+              </a:solidFill>
+            </a:endParaRPr>
+          </a:p>
+        </p:txBody>
+      </p:sp>
+    </p:spTree>
+    <p:extLst>
+      <p:ext uri="{BB962C8B-B14F-4D97-AF65-F5344CB8AC3E}">
+        <p14:creationId xmlns:p14="http://schemas.microsoft.com/office/powerpoint/2010/main" val="3269314012"/>
+      </p:ext>
+    </p:extLst>
+  </p:cSld>
+  <p:clrMapOvr>
+    <a:masterClrMapping/>
+  </p:clrMapOvr>
+</p:sld>
+</file>
+
+<file path=ppt/slides/slide7.xml><?xml version="1.0" encoding="utf-8"?>
+<p:sld xmlns:a="http://schemas.openxmlformats.org/drawingml/2006/main" xmlns:r="http://schemas.openxmlformats.org/officeDocument/2006/relationships" xmlns:p="http://schemas.openxmlformats.org/presentationml/2006/main">
+  <p:cSld>
+    <p:spTree>
+      <p:nvGrpSpPr>
+        <p:cNvPr id="1" name=""/>
+        <p:cNvGrpSpPr/>
+        <p:nvPr/>
+      </p:nvGrpSpPr>
+      <p:grpSpPr>
+        <a:xfrm>
+          <a:off x="0" y="0"/>
+          <a:ext cx="0" cy="0"/>
+          <a:chOff x="0" y="0"/>
+          <a:chExt cx="0" cy="0"/>
+        </a:xfrm>
+      </p:grpSpPr>
+      <p:sp>
+        <p:nvSpPr>
+          <p:cNvPr id="5" name="內容版面配置區 4"/>
+          <p:cNvSpPr>
+            <a:spLocks noGrp="1"/>
+          </p:cNvSpPr>
+          <p:nvPr>
+            <p:ph idx="1"/>
+          </p:nvPr>
+        </p:nvSpPr>
+        <p:spPr>
+          <a:xfrm>
+            <a:off x="0" y="2084851"/>
+            <a:ext cx="12192000" cy="2404863"/>
+          </a:xfrm>
+        </p:spPr>
+        <p:txBody>
+          <a:bodyPr anchor="ctr">
+            <a:normAutofit/>
+          </a:bodyPr>
+          <a:lstStyle/>
+          <a:p>
+            <a:pPr marL="0" indent="0" algn="ctr">
+              <a:buNone/>
+            </a:pPr>
+            <a:r>
+              <a:rPr lang="zh-CN" altLang="zh-TW" sz="6400" b="1" dirty="0">
+                <a:solidFill>
+                  <a:srgbClr val="000066"/>
+                </a:solidFill>
+                <a:latin typeface="Microsoft JhengHei" panose="020B0604030504040204" pitchFamily="34" charset="-120"/>
+                <a:ea typeface="Microsoft JhengHei" panose="020B0604030504040204" pitchFamily="34" charset="-120"/>
+              </a:rPr>
+              <a:t>說道此杯表明我血</a:t>
+            </a:r>
+          </a:p>
+          <a:p>
+            <a:pPr marL="0" indent="0" algn="ctr">
+              <a:buNone/>
+            </a:pPr>
+            <a:r>
+              <a:rPr lang="zh-CN" altLang="zh-TW" sz="6400" b="1" dirty="0">
+                <a:solidFill>
+                  <a:srgbClr val="000066"/>
+                </a:solidFill>
+                <a:latin typeface="Microsoft JhengHei" panose="020B0604030504040204" pitchFamily="34" charset="-120"/>
+                <a:ea typeface="Microsoft JhengHei" panose="020B0604030504040204" pitchFamily="34" charset="-120"/>
+              </a:rPr>
+              <a:t>流出贖人罪愆</a:t>
+            </a:r>
+            <a:r>
+              <a:rPr lang="en-US" altLang="zh-CN" sz="6400" b="1" dirty="0">
+                <a:solidFill>
+                  <a:srgbClr val="000066"/>
+                </a:solidFill>
+                <a:latin typeface="Microsoft JhengHei" panose="020B0604030504040204" pitchFamily="34" charset="-120"/>
+                <a:ea typeface="Microsoft JhengHei" panose="020B0604030504040204" pitchFamily="34" charset="-120"/>
+              </a:rPr>
+              <a:t>  </a:t>
+            </a:r>
+            <a:r>
+              <a:rPr lang="zh-CN" altLang="zh-TW" sz="6400" b="1" dirty="0">
+                <a:solidFill>
+                  <a:srgbClr val="000066"/>
+                </a:solidFill>
+                <a:latin typeface="Microsoft JhengHei" panose="020B0604030504040204" pitchFamily="34" charset="-120"/>
+                <a:ea typeface="Microsoft JhengHei" panose="020B0604030504040204" pitchFamily="34" charset="-120"/>
+                <a:sym typeface="+mn-ea"/>
+              </a:rPr>
+              <a:t>流出贖人罪愆</a:t>
+            </a:r>
+            <a:endParaRPr lang="zh-CN" altLang="zh-TW" sz="6400" b="1" dirty="0">
+              <a:solidFill>
+                <a:srgbClr val="000066"/>
+              </a:solidFill>
+              <a:latin typeface="Microsoft JhengHei" panose="020B0604030504040204" pitchFamily="34" charset="-120"/>
+              <a:ea typeface="Microsoft JhengHei" panose="020B0604030504040204" pitchFamily="34" charset="-120"/>
+            </a:endParaRPr>
+          </a:p>
+        </p:txBody>
+      </p:sp>
+      <p:sp>
+        <p:nvSpPr>
+          <p:cNvPr id="3" name="TextBox 2"/>
+          <p:cNvSpPr txBox="1"/>
+          <p:nvPr/>
+        </p:nvSpPr>
+        <p:spPr>
+          <a:xfrm>
+            <a:off x="1103445" y="2215367"/>
+            <a:ext cx="1248139" cy="1077218"/>
+          </a:xfrm>
+          <a:prstGeom prst="rect">
+            <a:avLst/>
+          </a:prstGeom>
+          <a:noFill/>
+        </p:spPr>
+        <p:txBody>
+          <a:bodyPr wrap="square" rtlCol="0">
+            <a:spAutoFit/>
+          </a:bodyPr>
+          <a:lstStyle/>
+          <a:p>
+            <a:r>
+              <a:rPr lang="en-US" sz="6400" b="1" dirty="0">
+                <a:solidFill>
+                  <a:srgbClr val="000066"/>
+                </a:solidFill>
+              </a:rPr>
+              <a:t>3.</a:t>
+            </a:r>
+            <a:endParaRPr lang="vi-VN" sz="6400" b="1" dirty="0">
+              <a:solidFill>
+                <a:srgbClr val="000066"/>
+              </a:solidFill>
+            </a:endParaRPr>
+          </a:p>
+        </p:txBody>
+      </p:sp>
+    </p:spTree>
+    <p:extLst>
+      <p:ext uri="{BB962C8B-B14F-4D97-AF65-F5344CB8AC3E}">
+        <p14:creationId xmlns:p14="http://schemas.microsoft.com/office/powerpoint/2010/main" val="3512286659"/>
+      </p:ext>
+    </p:extLst>
+  </p:cSld>
+  <p:clrMapOvr>
+    <a:masterClrMapping/>
+  </p:clrMapOvr>
+</p:sld>
+</file>
+
+<file path=ppt/slides/slide8.xml><?xml version="1.0" encoding="utf-8"?>
+<p:sld xmlns:a="http://schemas.openxmlformats.org/drawingml/2006/main" xmlns:r="http://schemas.openxmlformats.org/officeDocument/2006/relationships" xmlns:p="http://schemas.openxmlformats.org/presentationml/2006/main">
+  <p:cSld>
+    <p:spTree>
+      <p:nvGrpSpPr>
+        <p:cNvPr id="1" name=""/>
+        <p:cNvGrpSpPr/>
+        <p:nvPr/>
+      </p:nvGrpSpPr>
+      <p:grpSpPr>
+        <a:xfrm>
+          <a:off x="0" y="0"/>
+          <a:ext cx="0" cy="0"/>
+          <a:chOff x="0" y="0"/>
+          <a:chExt cx="0" cy="0"/>
+        </a:xfrm>
+      </p:grpSpPr>
+      <p:sp>
+        <p:nvSpPr>
+          <p:cNvPr id="5" name="內容版面配置區 4"/>
+          <p:cNvSpPr>
+            <a:spLocks noGrp="1"/>
+          </p:cNvSpPr>
+          <p:nvPr>
+            <p:ph idx="1"/>
+          </p:nvPr>
+        </p:nvSpPr>
+        <p:spPr>
+          <a:xfrm>
+            <a:off x="0" y="2084851"/>
+            <a:ext cx="12192000" cy="2404863"/>
+          </a:xfrm>
+        </p:spPr>
+        <p:txBody>
+          <a:bodyPr anchor="ctr">
+            <a:normAutofit/>
+          </a:bodyPr>
+          <a:lstStyle/>
+          <a:p>
+            <a:pPr marL="0" indent="0" algn="ctr">
+              <a:buNone/>
+            </a:pPr>
+            <a:r>
+              <a:rPr lang="zh-CN" altLang="zh-TW" sz="6400" b="1" dirty="0">
+                <a:solidFill>
+                  <a:srgbClr val="000066"/>
+                </a:solidFill>
+                <a:latin typeface="Microsoft JhengHei" panose="020B0604030504040204" pitchFamily="34" charset="-120"/>
+                <a:ea typeface="Microsoft JhengHei" panose="020B0604030504040204" pitchFamily="34" charset="-120"/>
+              </a:rPr>
+              <a:t>你當食餅你當飲杯</a:t>
+            </a:r>
+          </a:p>
+          <a:p>
+            <a:pPr marL="0" indent="0" algn="ctr">
+              <a:buNone/>
+            </a:pPr>
+            <a:r>
+              <a:rPr lang="zh-CN" altLang="zh-TW" sz="6400" b="1" dirty="0">
+                <a:solidFill>
+                  <a:srgbClr val="000066"/>
+                </a:solidFill>
+                <a:latin typeface="Microsoft JhengHei" panose="020B0604030504040204" pitchFamily="34" charset="-120"/>
+                <a:ea typeface="Microsoft JhengHei" panose="020B0604030504040204" pitchFamily="34" charset="-120"/>
+              </a:rPr>
+              <a:t>顯我代你受苦</a:t>
+            </a:r>
+            <a:endParaRPr lang="zh-CN" altLang="zh-TW" sz="6400" b="1" dirty="0">
+              <a:solidFill>
+                <a:srgbClr val="000066"/>
+              </a:solidFill>
+              <a:latin typeface="Microsoft JhengHei" panose="020B0604030504040204" pitchFamily="34" charset="-120"/>
+              <a:ea typeface="Microsoft JhengHei" panose="020B0604030504040204" pitchFamily="34" charset="-120"/>
+            </a:endParaRPr>
+          </a:p>
+        </p:txBody>
+      </p:sp>
+      <p:sp>
+        <p:nvSpPr>
+          <p:cNvPr id="3" name="TextBox 2"/>
+          <p:cNvSpPr txBox="1"/>
+          <p:nvPr/>
+        </p:nvSpPr>
+        <p:spPr>
+          <a:xfrm>
+            <a:off x="1103445" y="2215367"/>
+            <a:ext cx="1248139" cy="1077218"/>
+          </a:xfrm>
+          <a:prstGeom prst="rect">
+            <a:avLst/>
+          </a:prstGeom>
+          <a:noFill/>
+        </p:spPr>
+        <p:txBody>
+          <a:bodyPr wrap="square" rtlCol="0">
+            <a:spAutoFit/>
+          </a:bodyPr>
+          <a:lstStyle/>
+          <a:p>
+            <a:r>
+              <a:rPr lang="en-US" sz="6400" b="1" dirty="0">
+                <a:solidFill>
+                  <a:srgbClr val="000066"/>
+                </a:solidFill>
+              </a:rPr>
+              <a:t>4.</a:t>
+            </a:r>
+            <a:endParaRPr lang="vi-VN" sz="6400" b="1" dirty="0">
+              <a:solidFill>
+                <a:srgbClr val="000066"/>
+              </a:solidFill>
+            </a:endParaRPr>
+          </a:p>
+        </p:txBody>
+      </p:sp>
+    </p:spTree>
+    <p:extLst>
+      <p:ext uri="{BB962C8B-B14F-4D97-AF65-F5344CB8AC3E}">
+        <p14:creationId xmlns:p14="http://schemas.microsoft.com/office/powerpoint/2010/main" val="92640594"/>
+      </p:ext>
+    </p:extLst>
+  </p:cSld>
+  <p:clrMapOvr>
+    <a:masterClrMapping/>
+  </p:clrMapOvr>
+</p:sld>
+</file>
+
+<file path=ppt/slides/slide9.xml><?xml version="1.0" encoding="utf-8"?>
+<p:sld xmlns:a="http://schemas.openxmlformats.org/drawingml/2006/main" xmlns:r="http://schemas.openxmlformats.org/officeDocument/2006/relationships" xmlns:p="http://schemas.openxmlformats.org/presentationml/2006/main">
+  <p:cSld>
+    <p:spTree>
+      <p:nvGrpSpPr>
+        <p:cNvPr id="1" name=""/>
+        <p:cNvGrpSpPr/>
+        <p:nvPr/>
+      </p:nvGrpSpPr>
+      <p:grpSpPr>
+        <a:xfrm>
+          <a:off x="0" y="0"/>
+          <a:ext cx="0" cy="0"/>
+          <a:chOff x="0" y="0"/>
+          <a:chExt cx="0" cy="0"/>
+        </a:xfrm>
+      </p:grpSpPr>
+      <p:sp>
+        <p:nvSpPr>
+          <p:cNvPr id="5" name="內容版面配置區 4"/>
+          <p:cNvSpPr>
+            <a:spLocks noGrp="1"/>
+          </p:cNvSpPr>
+          <p:nvPr>
+            <p:ph idx="1"/>
+          </p:nvPr>
+        </p:nvSpPr>
+        <p:spPr>
+          <a:xfrm>
+            <a:off x="0" y="2084851"/>
+            <a:ext cx="12192000" cy="2404863"/>
+          </a:xfrm>
+        </p:spPr>
+        <p:txBody>
+          <a:bodyPr anchor="ctr">
+            <a:normAutofit/>
+          </a:bodyPr>
+          <a:lstStyle/>
+          <a:p>
+            <a:pPr marL="0" indent="0" algn="ctr">
+              <a:buNone/>
+            </a:pPr>
+            <a:r>
+              <a:rPr lang="zh-CN" altLang="zh-TW" sz="6400" b="1" dirty="0">
+                <a:solidFill>
+                  <a:srgbClr val="000066"/>
+                </a:solidFill>
+                <a:latin typeface="Microsoft JhengHei" panose="020B0604030504040204" pitchFamily="34" charset="-120"/>
+                <a:ea typeface="Microsoft JhengHei" panose="020B0604030504040204" pitchFamily="34" charset="-120"/>
+              </a:rPr>
+              <a:t>直到末日我再降臨</a:t>
+            </a:r>
+          </a:p>
+          <a:p>
+            <a:pPr marL="0" indent="0" algn="ctr">
+              <a:buNone/>
+            </a:pPr>
+            <a:r>
+              <a:rPr lang="zh-CN" altLang="zh-TW" sz="6400" b="1" dirty="0">
+                <a:solidFill>
+                  <a:srgbClr val="000066"/>
+                </a:solidFill>
+                <a:latin typeface="Microsoft JhengHei" panose="020B0604030504040204" pitchFamily="34" charset="-120"/>
+                <a:ea typeface="Microsoft JhengHei" panose="020B0604030504040204" pitchFamily="34" charset="-120"/>
+              </a:rPr>
+              <a:t>此禮不可停止</a:t>
+            </a:r>
+            <a:r>
+              <a:rPr lang="en-US" altLang="zh-CN" sz="6400" b="1" dirty="0">
+                <a:solidFill>
+                  <a:srgbClr val="000066"/>
+                </a:solidFill>
+                <a:latin typeface="Microsoft JhengHei" panose="020B0604030504040204" pitchFamily="34" charset="-120"/>
+                <a:ea typeface="Microsoft JhengHei" panose="020B0604030504040204" pitchFamily="34" charset="-120"/>
+              </a:rPr>
+              <a:t>  </a:t>
+            </a:r>
+            <a:r>
+              <a:rPr lang="zh-CN" altLang="zh-TW" sz="6400" b="1" dirty="0">
+                <a:solidFill>
+                  <a:srgbClr val="000066"/>
+                </a:solidFill>
+                <a:latin typeface="Microsoft JhengHei" panose="020B0604030504040204" pitchFamily="34" charset="-120"/>
+                <a:ea typeface="Microsoft JhengHei" panose="020B0604030504040204" pitchFamily="34" charset="-120"/>
+                <a:sym typeface="+mn-ea"/>
+              </a:rPr>
+              <a:t>此禮不可停止</a:t>
+            </a:r>
+            <a:endParaRPr lang="zh-CN" altLang="zh-TW" sz="6400" b="1" dirty="0">
+              <a:solidFill>
+                <a:srgbClr val="000066"/>
+              </a:solidFill>
+              <a:latin typeface="Microsoft JhengHei" panose="020B0604030504040204" pitchFamily="34" charset="-120"/>
+              <a:ea typeface="Microsoft JhengHei" panose="020B0604030504040204" pitchFamily="34" charset="-120"/>
+            </a:endParaRPr>
+          </a:p>
+        </p:txBody>
+      </p:sp>
+      <p:sp>
+        <p:nvSpPr>
+          <p:cNvPr id="3" name="TextBox 2"/>
+          <p:cNvSpPr txBox="1"/>
+          <p:nvPr/>
+        </p:nvSpPr>
+        <p:spPr>
+          <a:xfrm>
+            <a:off x="1103445" y="2215367"/>
+            <a:ext cx="1248139" cy="1077218"/>
+          </a:xfrm>
+          <a:prstGeom prst="rect">
+            <a:avLst/>
+          </a:prstGeom>
+          <a:noFill/>
+        </p:spPr>
+        <p:txBody>
+          <a:bodyPr wrap="square" rtlCol="0">
+            <a:spAutoFit/>
+          </a:bodyPr>
+          <a:lstStyle/>
+          <a:p>
+            <a:r>
+              <a:rPr lang="en-US" sz="6400" b="1" dirty="0">
+                <a:solidFill>
+                  <a:srgbClr val="000066"/>
+                </a:solidFill>
+              </a:rPr>
+              <a:t>4.</a:t>
+            </a:r>
+            <a:endParaRPr lang="vi-VN" sz="6400" b="1" dirty="0">
+              <a:solidFill>
+                <a:srgbClr val="000066"/>
+              </a:solidFill>
+            </a:endParaRPr>
+          </a:p>
+        </p:txBody>
+      </p:sp>
+    </p:spTree>
+    <p:extLst>
+      <p:ext uri="{BB962C8B-B14F-4D97-AF65-F5344CB8AC3E}">
+        <p14:creationId xmlns:p14="http://schemas.microsoft.com/office/powerpoint/2010/main" val="486664943"/>
+      </p:ext>
+    </p:extLst>
+  </p:cSld>
+  <p:clrMapOvr>
+    <a:masterClrMapping/>
+  </p:clrMapOvr>
 </p:sld>
 </file>
 

--- a/宣道詩/(宣道詩261) 聖餐.pptx
+++ b/宣道詩/(宣道詩261) 聖餐.pptx
@@ -3829,24 +3829,7 @@
                 <a:latin typeface="微軟正黑體" pitchFamily="34" charset="-120"/>
                 <a:ea typeface="微軟正黑體" pitchFamily="34" charset="-120"/>
               </a:rPr>
-              <a:t>聖</a:t>
-            </a:r>
-            <a:r>
-              <a:rPr lang="zh-CN" altLang="en-US" sz="8000" b="1" dirty="0">
-                <a:solidFill>
-                  <a:srgbClr val="000066"/>
-                </a:solidFill>
-                <a:effectLst>
-                  <a:outerShdw blurRad="38100" dist="38100" dir="2700000" algn="tl">
-                    <a:srgbClr val="000000">
-                      <a:alpha val="43137"/>
-                    </a:srgbClr>
-                  </a:outerShdw>
-                </a:effectLst>
-                <a:latin typeface="微軟正黑體" pitchFamily="34" charset="-120"/>
-                <a:ea typeface="微軟正黑體" pitchFamily="34" charset="-120"/>
-              </a:rPr>
-              <a:t>餐</a:t>
+              <a:t>聖餐</a:t>
             </a:r>
             <a:endParaRPr lang="zh-TW" altLang="en-US" sz="8000" b="1" dirty="0">
               <a:solidFill>
@@ -3952,26 +3935,19 @@
               </a:rPr>
               <a:t>紀念主大愛情</a:t>
             </a:r>
-            <a:endParaRPr lang="zh-CN" altLang="zh-TW" sz="6400" b="1" dirty="0">
-              <a:solidFill>
-                <a:srgbClr val="000066"/>
-              </a:solidFill>
-              <a:latin typeface="Microsoft JhengHei" panose="020B0604030504040204" pitchFamily="34" charset="-120"/>
-              <a:ea typeface="Microsoft JhengHei" panose="020B0604030504040204" pitchFamily="34" charset="-120"/>
-            </a:endParaRPr>
-          </a:p>
-        </p:txBody>
-      </p:sp>
-      <p:sp>
-        <p:nvSpPr>
-          <p:cNvPr id="3" name="TextBox 2"/>
+          </a:p>
+        </p:txBody>
+      </p:sp>
+      <p:sp>
+        <p:nvSpPr>
+          <p:cNvPr id="4" name="TextBox 3"/>
           <p:cNvSpPr txBox="1"/>
           <p:nvPr/>
         </p:nvSpPr>
         <p:spPr>
           <a:xfrm>
-            <a:off x="1103445" y="2215367"/>
-            <a:ext cx="1248139" cy="1077218"/>
+            <a:off x="0" y="5253205"/>
+            <a:ext cx="12192000" cy="830997"/>
           </a:xfrm>
           <a:prstGeom prst="rect">
             <a:avLst/>
@@ -3984,15 +3960,32 @@
           </a:bodyPr>
           <a:lstStyle/>
           <a:p>
-            <a:r>
-              <a:rPr lang="en-US" sz="6400" b="1" dirty="0">
+            <a:pPr algn="ctr"/>
+            <a:r>
+              <a:rPr lang="en-US" sz="4800" b="1" dirty="0">
                 <a:solidFill>
                   <a:srgbClr val="000066"/>
                 </a:solidFill>
               </a:rPr>
-              <a:t>5.</a:t>
-            </a:r>
-            <a:endParaRPr lang="vi-VN" sz="6400" b="1" dirty="0">
+              <a:t>( </a:t>
+            </a:r>
+            <a:r>
+              <a:rPr lang="en-US" sz="4800" b="1" dirty="0" smtClean="0">
+                <a:solidFill>
+                  <a:srgbClr val="000066"/>
+                </a:solidFill>
+              </a:rPr>
+              <a:t>5 </a:t>
+            </a:r>
+            <a:r>
+              <a:rPr lang="en-US" sz="4800" b="1" dirty="0">
+                <a:solidFill>
+                  <a:srgbClr val="000066"/>
+                </a:solidFill>
+              </a:rPr>
+              <a:t>)</a:t>
+            </a:r>
+            <a:endParaRPr lang="vi-VN" sz="4800" b="1" dirty="0">
               <a:solidFill>
                 <a:srgbClr val="000066"/>
               </a:solidFill>
@@ -4113,14 +4106,14 @@
       </p:sp>
       <p:sp>
         <p:nvSpPr>
-          <p:cNvPr id="3" name="TextBox 2"/>
+          <p:cNvPr id="4" name="TextBox 3"/>
           <p:cNvSpPr txBox="1"/>
           <p:nvPr/>
         </p:nvSpPr>
         <p:spPr>
           <a:xfrm>
-            <a:off x="1103445" y="2215367"/>
-            <a:ext cx="1248139" cy="1077218"/>
+            <a:off x="0" y="5253205"/>
+            <a:ext cx="12192000" cy="830997"/>
           </a:xfrm>
           <a:prstGeom prst="rect">
             <a:avLst/>
@@ -4133,15 +4126,32 @@
           </a:bodyPr>
           <a:lstStyle/>
           <a:p>
-            <a:r>
-              <a:rPr lang="en-US" sz="6400" b="1" dirty="0">
+            <a:pPr algn="ctr"/>
+            <a:r>
+              <a:rPr lang="en-US" sz="4800" b="1" dirty="0">
                 <a:solidFill>
                   <a:srgbClr val="000066"/>
                 </a:solidFill>
               </a:rPr>
-              <a:t>5.</a:t>
-            </a:r>
-            <a:endParaRPr lang="vi-VN" sz="6400" b="1" dirty="0">
+              <a:t>( </a:t>
+            </a:r>
+            <a:r>
+              <a:rPr lang="en-US" sz="4800" b="1" dirty="0" smtClean="0">
+                <a:solidFill>
+                  <a:srgbClr val="000066"/>
+                </a:solidFill>
+              </a:rPr>
+              <a:t>5 </a:t>
+            </a:r>
+            <a:r>
+              <a:rPr lang="en-US" sz="4800" b="1" dirty="0">
+                <a:solidFill>
+                  <a:srgbClr val="000066"/>
+                </a:solidFill>
+              </a:rPr>
+              <a:t>)</a:t>
+            </a:r>
+            <a:endParaRPr lang="vi-VN" sz="4800" b="1" dirty="0">
               <a:solidFill>
                 <a:srgbClr val="000066"/>
               </a:solidFill>
@@ -4212,17 +4222,7 @@
                 <a:latin typeface="Microsoft JhengHei" pitchFamily="34" charset="-120"/>
                 <a:ea typeface="Microsoft JhengHei" pitchFamily="34" charset="-120"/>
               </a:rPr>
-              <a:t>我</a:t>
-            </a:r>
-            <a:r>
-              <a:rPr lang="zh-CN" altLang="zh-TW" sz="6400" b="1" dirty="0">
-                <a:solidFill>
-                  <a:srgbClr val="000066"/>
-                </a:solidFill>
-                <a:latin typeface="Microsoft JhengHei" pitchFamily="34" charset="-120"/>
-                <a:ea typeface="Microsoft JhengHei" pitchFamily="34" charset="-120"/>
-              </a:rPr>
-              <a:t>主耶穌被賣之夜</a:t>
+              <a:t>我主耶穌被賣之夜</a:t>
             </a:r>
           </a:p>
           <a:p>
@@ -4244,14 +4244,14 @@
       </p:sp>
       <p:sp>
         <p:nvSpPr>
-          <p:cNvPr id="3" name="TextBox 2"/>
+          <p:cNvPr id="4" name="TextBox 3"/>
           <p:cNvSpPr txBox="1"/>
           <p:nvPr/>
         </p:nvSpPr>
         <p:spPr>
           <a:xfrm>
-            <a:off x="1103445" y="2215367"/>
-            <a:ext cx="1248139" cy="1077218"/>
+            <a:off x="0" y="5253205"/>
+            <a:ext cx="12192000" cy="830997"/>
           </a:xfrm>
           <a:prstGeom prst="rect">
             <a:avLst/>
@@ -4264,15 +4264,16 @@
           </a:bodyPr>
           <a:lstStyle/>
           <a:p>
-            <a:r>
-              <a:rPr lang="en-US" sz="6400" b="1" dirty="0">
+            <a:pPr algn="ctr"/>
+            <a:r>
+              <a:rPr lang="en-US" sz="4800" b="1" dirty="0">
                 <a:solidFill>
                   <a:srgbClr val="000066"/>
                 </a:solidFill>
               </a:rPr>
-              <a:t>1.</a:t>
-            </a:r>
-            <a:endParaRPr lang="vi-VN" sz="6400" b="1" dirty="0">
+              <a:t>( 1 )</a:t>
+            </a:r>
+            <a:endParaRPr lang="vi-VN" sz="4800" b="1" dirty="0">
               <a:solidFill>
                 <a:srgbClr val="000066"/>
               </a:solidFill>
@@ -4358,17 +4359,7 @@
                 <a:latin typeface="Microsoft JhengHei" pitchFamily="34" charset="-120"/>
                 <a:ea typeface="Microsoft JhengHei" pitchFamily="34" charset="-120"/>
               </a:rPr>
-              <a:t>門徒面前擘</a:t>
-            </a:r>
-            <a:r>
-              <a:rPr lang="zh-CN" altLang="zh-TW" sz="6400" b="1" dirty="0">
-                <a:solidFill>
-                  <a:srgbClr val="000066"/>
-                </a:solidFill>
-                <a:latin typeface="Microsoft JhengHei" pitchFamily="34" charset="-120"/>
-                <a:ea typeface="Microsoft JhengHei" pitchFamily="34" charset="-120"/>
-              </a:rPr>
-              <a:t>分</a:t>
+              <a:t>門徒面前擘分</a:t>
             </a:r>
             <a:r>
               <a:rPr lang="en-US" altLang="zh-CN" sz="6400" b="1" dirty="0">
@@ -4389,18 +4380,7 @@
                 <a:ea typeface="Microsoft JhengHei" pitchFamily="34" charset="-120"/>
                 <a:sym typeface="+mn-ea"/>
               </a:rPr>
-              <a:t>門</a:t>
-            </a:r>
-            <a:r>
-              <a:rPr lang="zh-CN" altLang="zh-TW" sz="6400" b="1" dirty="0">
-                <a:solidFill>
-                  <a:srgbClr val="000066"/>
-                </a:solidFill>
-                <a:latin typeface="Microsoft JhengHei" pitchFamily="34" charset="-120"/>
-                <a:ea typeface="Microsoft JhengHei" pitchFamily="34" charset="-120"/>
-                <a:sym typeface="+mn-ea"/>
-              </a:rPr>
-              <a:t>徒面前擘分</a:t>
+              <a:t>門徒面前擘分</a:t>
             </a:r>
             <a:endParaRPr lang="zh-CN" altLang="zh-TW" sz="6400" b="1" dirty="0">
               <a:solidFill>
@@ -4414,14 +4394,14 @@
       </p:sp>
       <p:sp>
         <p:nvSpPr>
-          <p:cNvPr id="3" name="TextBox 2"/>
+          <p:cNvPr id="4" name="TextBox 3"/>
           <p:cNvSpPr txBox="1"/>
           <p:nvPr/>
         </p:nvSpPr>
         <p:spPr>
           <a:xfrm>
-            <a:off x="1103445" y="2215367"/>
-            <a:ext cx="1248139" cy="1077218"/>
+            <a:off x="0" y="5253205"/>
+            <a:ext cx="12192000" cy="830997"/>
           </a:xfrm>
           <a:prstGeom prst="rect">
             <a:avLst/>
@@ -4434,15 +4414,16 @@
           </a:bodyPr>
           <a:lstStyle/>
           <a:p>
-            <a:r>
-              <a:rPr lang="en-US" sz="6400" b="1" dirty="0">
+            <a:pPr algn="ctr"/>
+            <a:r>
+              <a:rPr lang="en-US" sz="4800" b="1" dirty="0">
                 <a:solidFill>
                   <a:srgbClr val="000066"/>
                 </a:solidFill>
               </a:rPr>
-              <a:t>1.</a:t>
-            </a:r>
-            <a:endParaRPr lang="vi-VN" sz="6400" b="1" dirty="0">
+              <a:t>( 1 )</a:t>
+            </a:r>
+            <a:endParaRPr lang="vi-VN" sz="4800" b="1" dirty="0">
               <a:solidFill>
                 <a:srgbClr val="000066"/>
               </a:solidFill>
@@ -4530,26 +4511,19 @@
               </a:rPr>
               <a:t>因此表明我體</a:t>
             </a:r>
-            <a:endParaRPr lang="zh-CN" altLang="zh-TW" sz="6400" b="1" dirty="0">
-              <a:solidFill>
-                <a:srgbClr val="000066"/>
-              </a:solidFill>
-              <a:latin typeface="Microsoft JhengHei" panose="020B0604030504040204" pitchFamily="34" charset="-120"/>
-              <a:ea typeface="Microsoft JhengHei" panose="020B0604030504040204" pitchFamily="34" charset="-120"/>
-            </a:endParaRPr>
-          </a:p>
-        </p:txBody>
-      </p:sp>
-      <p:sp>
-        <p:nvSpPr>
-          <p:cNvPr id="3" name="TextBox 2"/>
+          </a:p>
+        </p:txBody>
+      </p:sp>
+      <p:sp>
+        <p:nvSpPr>
+          <p:cNvPr id="4" name="TextBox 3"/>
           <p:cNvSpPr txBox="1"/>
           <p:nvPr/>
         </p:nvSpPr>
         <p:spPr>
           <a:xfrm>
-            <a:off x="1103445" y="2215367"/>
-            <a:ext cx="1248139" cy="1077218"/>
+            <a:off x="0" y="5253205"/>
+            <a:ext cx="12192000" cy="830997"/>
           </a:xfrm>
           <a:prstGeom prst="rect">
             <a:avLst/>
@@ -4562,15 +4536,32 @@
           </a:bodyPr>
           <a:lstStyle/>
           <a:p>
-            <a:r>
-              <a:rPr lang="en-US" sz="6400" b="1" dirty="0">
+            <a:pPr algn="ctr"/>
+            <a:r>
+              <a:rPr lang="en-US" sz="4800" b="1" dirty="0">
                 <a:solidFill>
                   <a:srgbClr val="000066"/>
                 </a:solidFill>
               </a:rPr>
-              <a:t>2.</a:t>
-            </a:r>
-            <a:endParaRPr lang="vi-VN" sz="6400" b="1" dirty="0">
+              <a:t>( </a:t>
+            </a:r>
+            <a:r>
+              <a:rPr lang="en-US" sz="4800" b="1" dirty="0" smtClean="0">
+                <a:solidFill>
+                  <a:srgbClr val="000066"/>
+                </a:solidFill>
+              </a:rPr>
+              <a:t>2 </a:t>
+            </a:r>
+            <a:r>
+              <a:rPr lang="en-US" sz="4800" b="1" dirty="0">
+                <a:solidFill>
+                  <a:srgbClr val="000066"/>
+                </a:solidFill>
+              </a:rPr>
+              <a:t>)</a:t>
+            </a:r>
+            <a:endParaRPr lang="vi-VN" sz="4800" b="1" dirty="0">
               <a:solidFill>
                 <a:srgbClr val="000066"/>
               </a:solidFill>
@@ -4692,27 +4683,19 @@
               </a:rPr>
               <a:t>領時將我記憶</a:t>
             </a:r>
-            <a:endParaRPr lang="zh-CN" altLang="zh-TW" sz="6400" b="1" dirty="0">
-              <a:solidFill>
-                <a:srgbClr val="000066"/>
-              </a:solidFill>
-              <a:latin typeface="Microsoft JhengHei" panose="020B0604030504040204" pitchFamily="34" charset="-120"/>
-              <a:ea typeface="Microsoft JhengHei" panose="020B0604030504040204" pitchFamily="34" charset="-120"/>
-              <a:sym typeface="+mn-ea"/>
-            </a:endParaRPr>
-          </a:p>
-        </p:txBody>
-      </p:sp>
-      <p:sp>
-        <p:nvSpPr>
-          <p:cNvPr id="3" name="TextBox 2"/>
+          </a:p>
+        </p:txBody>
+      </p:sp>
+      <p:sp>
+        <p:nvSpPr>
+          <p:cNvPr id="4" name="TextBox 3"/>
           <p:cNvSpPr txBox="1"/>
           <p:nvPr/>
         </p:nvSpPr>
         <p:spPr>
           <a:xfrm>
-            <a:off x="1103445" y="2215367"/>
-            <a:ext cx="1248139" cy="1077218"/>
+            <a:off x="0" y="5253205"/>
+            <a:ext cx="12192000" cy="830997"/>
           </a:xfrm>
           <a:prstGeom prst="rect">
             <a:avLst/>
@@ -4725,15 +4708,32 @@
           </a:bodyPr>
           <a:lstStyle/>
           <a:p>
-            <a:r>
-              <a:rPr lang="en-US" sz="6400" b="1" dirty="0">
+            <a:pPr algn="ctr"/>
+            <a:r>
+              <a:rPr lang="en-US" sz="4800" b="1" dirty="0">
                 <a:solidFill>
                   <a:srgbClr val="000066"/>
                 </a:solidFill>
               </a:rPr>
-              <a:t>2.</a:t>
-            </a:r>
-            <a:endParaRPr lang="vi-VN" sz="6400" b="1" dirty="0">
+              <a:t>( </a:t>
+            </a:r>
+            <a:r>
+              <a:rPr lang="en-US" sz="4800" b="1" dirty="0" smtClean="0">
+                <a:solidFill>
+                  <a:srgbClr val="000066"/>
+                </a:solidFill>
+              </a:rPr>
+              <a:t>2 </a:t>
+            </a:r>
+            <a:r>
+              <a:rPr lang="en-US" sz="4800" b="1" dirty="0">
+                <a:solidFill>
+                  <a:srgbClr val="000066"/>
+                </a:solidFill>
+              </a:rPr>
+              <a:t>)</a:t>
+            </a:r>
+            <a:endParaRPr lang="vi-VN" sz="4800" b="1" dirty="0">
               <a:solidFill>
                 <a:srgbClr val="000066"/>
               </a:solidFill>
@@ -4821,26 +4821,19 @@
               </a:rPr>
               <a:t>遞給門徒同喝</a:t>
             </a:r>
-            <a:endParaRPr lang="zh-CN" altLang="zh-TW" sz="6400" b="1" dirty="0">
-              <a:solidFill>
-                <a:srgbClr val="000066"/>
-              </a:solidFill>
-              <a:latin typeface="Microsoft JhengHei" panose="020B0604030504040204" pitchFamily="34" charset="-120"/>
-              <a:ea typeface="Microsoft JhengHei" panose="020B0604030504040204" pitchFamily="34" charset="-120"/>
-            </a:endParaRPr>
-          </a:p>
-        </p:txBody>
-      </p:sp>
-      <p:sp>
-        <p:nvSpPr>
-          <p:cNvPr id="3" name="TextBox 2"/>
+          </a:p>
+        </p:txBody>
+      </p:sp>
+      <p:sp>
+        <p:nvSpPr>
+          <p:cNvPr id="4" name="TextBox 3"/>
           <p:cNvSpPr txBox="1"/>
           <p:nvPr/>
         </p:nvSpPr>
         <p:spPr>
           <a:xfrm>
-            <a:off x="1103445" y="2215367"/>
-            <a:ext cx="1248139" cy="1077218"/>
+            <a:off x="0" y="5253205"/>
+            <a:ext cx="12192000" cy="830997"/>
           </a:xfrm>
           <a:prstGeom prst="rect">
             <a:avLst/>
@@ -4853,15 +4846,32 @@
           </a:bodyPr>
           <a:lstStyle/>
           <a:p>
-            <a:r>
-              <a:rPr lang="en-US" sz="6400" b="1" dirty="0">
+            <a:pPr algn="ctr"/>
+            <a:r>
+              <a:rPr lang="en-US" sz="4800" b="1" dirty="0">
                 <a:solidFill>
                   <a:srgbClr val="000066"/>
                 </a:solidFill>
               </a:rPr>
-              <a:t>3.</a:t>
-            </a:r>
-            <a:endParaRPr lang="vi-VN" sz="6400" b="1" dirty="0">
+              <a:t>( </a:t>
+            </a:r>
+            <a:r>
+              <a:rPr lang="en-US" sz="4800" b="1" dirty="0" smtClean="0">
+                <a:solidFill>
+                  <a:srgbClr val="000066"/>
+                </a:solidFill>
+              </a:rPr>
+              <a:t>3 </a:t>
+            </a:r>
+            <a:r>
+              <a:rPr lang="en-US" sz="4800" b="1" dirty="0">
+                <a:solidFill>
+                  <a:srgbClr val="000066"/>
+                </a:solidFill>
+              </a:rPr>
+              <a:t>)</a:t>
+            </a:r>
+            <a:endParaRPr lang="vi-VN" sz="4800" b="1" dirty="0">
               <a:solidFill>
                 <a:srgbClr val="000066"/>
               </a:solidFill>
@@ -4982,14 +4992,14 @@
       </p:sp>
       <p:sp>
         <p:nvSpPr>
-          <p:cNvPr id="3" name="TextBox 2"/>
+          <p:cNvPr id="4" name="TextBox 3"/>
           <p:cNvSpPr txBox="1"/>
           <p:nvPr/>
         </p:nvSpPr>
         <p:spPr>
           <a:xfrm>
-            <a:off x="1103445" y="2215367"/>
-            <a:ext cx="1248139" cy="1077218"/>
+            <a:off x="0" y="5253205"/>
+            <a:ext cx="12192000" cy="830997"/>
           </a:xfrm>
           <a:prstGeom prst="rect">
             <a:avLst/>
@@ -5002,15 +5012,32 @@
           </a:bodyPr>
           <a:lstStyle/>
           <a:p>
-            <a:r>
-              <a:rPr lang="en-US" sz="6400" b="1" dirty="0">
+            <a:pPr algn="ctr"/>
+            <a:r>
+              <a:rPr lang="en-US" sz="4800" b="1" dirty="0">
                 <a:solidFill>
                   <a:srgbClr val="000066"/>
                 </a:solidFill>
               </a:rPr>
-              <a:t>3.</a:t>
-            </a:r>
-            <a:endParaRPr lang="vi-VN" sz="6400" b="1" dirty="0">
+              <a:t>( </a:t>
+            </a:r>
+            <a:r>
+              <a:rPr lang="en-US" sz="4800" b="1" dirty="0" smtClean="0">
+                <a:solidFill>
+                  <a:srgbClr val="000066"/>
+                </a:solidFill>
+              </a:rPr>
+              <a:t>3 </a:t>
+            </a:r>
+            <a:r>
+              <a:rPr lang="en-US" sz="4800" b="1" dirty="0">
+                <a:solidFill>
+                  <a:srgbClr val="000066"/>
+                </a:solidFill>
+              </a:rPr>
+              <a:t>)</a:t>
+            </a:r>
+            <a:endParaRPr lang="vi-VN" sz="4800" b="1" dirty="0">
               <a:solidFill>
                 <a:srgbClr val="000066"/>
               </a:solidFill>
@@ -5098,26 +5125,19 @@
               </a:rPr>
               <a:t>顯我代你受苦</a:t>
             </a:r>
-            <a:endParaRPr lang="zh-CN" altLang="zh-TW" sz="6400" b="1" dirty="0">
-              <a:solidFill>
-                <a:srgbClr val="000066"/>
-              </a:solidFill>
-              <a:latin typeface="Microsoft JhengHei" panose="020B0604030504040204" pitchFamily="34" charset="-120"/>
-              <a:ea typeface="Microsoft JhengHei" panose="020B0604030504040204" pitchFamily="34" charset="-120"/>
-            </a:endParaRPr>
-          </a:p>
-        </p:txBody>
-      </p:sp>
-      <p:sp>
-        <p:nvSpPr>
-          <p:cNvPr id="3" name="TextBox 2"/>
+          </a:p>
+        </p:txBody>
+      </p:sp>
+      <p:sp>
+        <p:nvSpPr>
+          <p:cNvPr id="4" name="TextBox 3"/>
           <p:cNvSpPr txBox="1"/>
           <p:nvPr/>
         </p:nvSpPr>
         <p:spPr>
           <a:xfrm>
-            <a:off x="1103445" y="2215367"/>
-            <a:ext cx="1248139" cy="1077218"/>
+            <a:off x="0" y="5253205"/>
+            <a:ext cx="12192000" cy="830997"/>
           </a:xfrm>
           <a:prstGeom prst="rect">
             <a:avLst/>
@@ -5130,15 +5150,32 @@
           </a:bodyPr>
           <a:lstStyle/>
           <a:p>
-            <a:r>
-              <a:rPr lang="en-US" sz="6400" b="1" dirty="0">
+            <a:pPr algn="ctr"/>
+            <a:r>
+              <a:rPr lang="en-US" sz="4800" b="1" dirty="0">
                 <a:solidFill>
                   <a:srgbClr val="000066"/>
                 </a:solidFill>
               </a:rPr>
-              <a:t>4.</a:t>
-            </a:r>
-            <a:endParaRPr lang="vi-VN" sz="6400" b="1" dirty="0">
+              <a:t>( </a:t>
+            </a:r>
+            <a:r>
+              <a:rPr lang="en-US" sz="4800" b="1" dirty="0" smtClean="0">
+                <a:solidFill>
+                  <a:srgbClr val="000066"/>
+                </a:solidFill>
+              </a:rPr>
+              <a:t>4 </a:t>
+            </a:r>
+            <a:r>
+              <a:rPr lang="en-US" sz="4800" b="1" dirty="0">
+                <a:solidFill>
+                  <a:srgbClr val="000066"/>
+                </a:solidFill>
+              </a:rPr>
+              <a:t>)</a:t>
+            </a:r>
+            <a:endParaRPr lang="vi-VN" sz="4800" b="1" dirty="0">
               <a:solidFill>
                 <a:srgbClr val="000066"/>
               </a:solidFill>
@@ -5259,14 +5296,14 @@
       </p:sp>
       <p:sp>
         <p:nvSpPr>
-          <p:cNvPr id="3" name="TextBox 2"/>
+          <p:cNvPr id="4" name="TextBox 3"/>
           <p:cNvSpPr txBox="1"/>
           <p:nvPr/>
         </p:nvSpPr>
         <p:spPr>
           <a:xfrm>
-            <a:off x="1103445" y="2215367"/>
-            <a:ext cx="1248139" cy="1077218"/>
+            <a:off x="0" y="5253205"/>
+            <a:ext cx="12192000" cy="830997"/>
           </a:xfrm>
           <a:prstGeom prst="rect">
             <a:avLst/>
@@ -5279,15 +5316,32 @@
           </a:bodyPr>
           <a:lstStyle/>
           <a:p>
-            <a:r>
-              <a:rPr lang="en-US" sz="6400" b="1" dirty="0">
+            <a:pPr algn="ctr"/>
+            <a:r>
+              <a:rPr lang="en-US" sz="4800" b="1" dirty="0">
                 <a:solidFill>
                   <a:srgbClr val="000066"/>
                 </a:solidFill>
               </a:rPr>
-              <a:t>4.</a:t>
-            </a:r>
-            <a:endParaRPr lang="vi-VN" sz="6400" b="1" dirty="0">
+              <a:t>( </a:t>
+            </a:r>
+            <a:r>
+              <a:rPr lang="en-US" sz="4800" b="1" dirty="0" smtClean="0">
+                <a:solidFill>
+                  <a:srgbClr val="000066"/>
+                </a:solidFill>
+              </a:rPr>
+              <a:t>4 </a:t>
+            </a:r>
+            <a:r>
+              <a:rPr lang="en-US" sz="4800" b="1" dirty="0">
+                <a:solidFill>
+                  <a:srgbClr val="000066"/>
+                </a:solidFill>
+              </a:rPr>
+              <a:t>)</a:t>
+            </a:r>
+            <a:endParaRPr lang="vi-VN" sz="4800" b="1" dirty="0">
               <a:solidFill>
                 <a:srgbClr val="000066"/>
               </a:solidFill>

--- a/宣道詩/(宣道詩261) 聖餐.pptx
+++ b/宣道詩/(宣道詩261) 聖餐.pptx
@@ -3947,7 +3947,7 @@
         <p:spPr>
           <a:xfrm>
             <a:off x="0" y="5253205"/>
-            <a:ext cx="12192000" cy="830997"/>
+            <a:ext cx="12192000" cy="584775"/>
           </a:xfrm>
           <a:prstGeom prst="rect">
             <a:avLst/>
@@ -3962,33 +3962,37 @@
           <a:p>
             <a:pPr algn="ctr"/>
             <a:r>
-              <a:rPr lang="en-US" sz="4800" b="1" dirty="0">
+              <a:rPr lang="en-US" sz="3200" b="1" dirty="0">
                 <a:solidFill>
                   <a:srgbClr val="000066"/>
                 </a:solidFill>
+                <a:latin typeface="+mn-lt"/>
               </a:rPr>
               <a:t>( </a:t>
             </a:r>
             <a:r>
-              <a:rPr lang="en-US" sz="4800" b="1" dirty="0" smtClean="0">
+              <a:rPr lang="en-US" sz="3200" b="1" dirty="0">
                 <a:solidFill>
                   <a:srgbClr val="000066"/>
                 </a:solidFill>
+                <a:latin typeface="+mn-lt"/>
               </a:rPr>
               <a:t>5 </a:t>
             </a:r>
             <a:r>
-              <a:rPr lang="en-US" sz="4800" b="1" dirty="0">
+              <a:rPr lang="en-US" sz="3200" b="1" dirty="0">
                 <a:solidFill>
                   <a:srgbClr val="000066"/>
                 </a:solidFill>
+                <a:latin typeface="+mn-lt"/>
               </a:rPr>
-              <a:t>)</a:t>
-            </a:r>
-            <a:endParaRPr lang="vi-VN" sz="4800" b="1" dirty="0">
+              <a:t>/ 5 )</a:t>
+            </a:r>
+            <a:endParaRPr lang="vi-VN" sz="3200" b="1" dirty="0">
               <a:solidFill>
                 <a:srgbClr val="000066"/>
               </a:solidFill>
+              <a:latin typeface="+mn-lt"/>
             </a:endParaRPr>
           </a:p>
         </p:txBody>
@@ -4113,7 +4117,7 @@
         <p:spPr>
           <a:xfrm>
             <a:off x="0" y="5253205"/>
-            <a:ext cx="12192000" cy="830997"/>
+            <a:ext cx="12192000" cy="584775"/>
           </a:xfrm>
           <a:prstGeom prst="rect">
             <a:avLst/>
@@ -4128,33 +4132,19 @@
           <a:p>
             <a:pPr algn="ctr"/>
             <a:r>
-              <a:rPr lang="en-US" sz="4800" b="1" dirty="0">
+              <a:rPr lang="en-US" sz="3200" b="1" dirty="0">
                 <a:solidFill>
                   <a:srgbClr val="000066"/>
                 </a:solidFill>
+                <a:latin typeface="+mn-lt"/>
               </a:rPr>
-              <a:t>( </a:t>
-            </a:r>
-            <a:r>
-              <a:rPr lang="en-US" sz="4800" b="1" dirty="0" smtClean="0">
-                <a:solidFill>
-                  <a:srgbClr val="000066"/>
-                </a:solidFill>
-              </a:rPr>
-              <a:t>5 </a:t>
-            </a:r>
-            <a:r>
-              <a:rPr lang="en-US" sz="4800" b="1" dirty="0">
-                <a:solidFill>
-                  <a:srgbClr val="000066"/>
-                </a:solidFill>
-              </a:rPr>
-              <a:t>)</a:t>
-            </a:r>
-            <a:endParaRPr lang="vi-VN" sz="4800" b="1" dirty="0">
+              <a:t>( 5 / 5 )</a:t>
+            </a:r>
+            <a:endParaRPr lang="vi-VN" sz="3200" b="1" dirty="0">
               <a:solidFill>
                 <a:srgbClr val="000066"/>
               </a:solidFill>
+              <a:latin typeface="+mn-lt"/>
             </a:endParaRPr>
           </a:p>
         </p:txBody>
@@ -4251,7 +4241,7 @@
         <p:spPr>
           <a:xfrm>
             <a:off x="0" y="5253205"/>
-            <a:ext cx="12192000" cy="830997"/>
+            <a:ext cx="12192000" cy="584775"/>
           </a:xfrm>
           <a:prstGeom prst="rect">
             <a:avLst/>
@@ -4266,17 +4256,37 @@
           <a:p>
             <a:pPr algn="ctr"/>
             <a:r>
-              <a:rPr lang="en-US" sz="4800" b="1" dirty="0">
+              <a:rPr lang="en-US" sz="3200" b="1" dirty="0">
                 <a:solidFill>
                   <a:srgbClr val="000066"/>
                 </a:solidFill>
+                <a:latin typeface="+mn-lt"/>
               </a:rPr>
-              <a:t>( 1 )</a:t>
-            </a:r>
-            <a:endParaRPr lang="vi-VN" sz="4800" b="1" dirty="0">
+              <a:t>( </a:t>
+            </a:r>
+            <a:r>
+              <a:rPr lang="en-US" sz="3200" b="1" dirty="0" smtClean="0">
+                <a:solidFill>
+                  <a:srgbClr val="000066"/>
+                </a:solidFill>
+                <a:latin typeface="+mn-lt"/>
+              </a:rPr>
+              <a:t>1 / 5 </a:t>
+            </a:r>
+            <a:r>
+              <a:rPr lang="en-US" sz="3200" b="1" dirty="0">
+                <a:solidFill>
+                  <a:srgbClr val="000066"/>
+                </a:solidFill>
+                <a:latin typeface="+mn-lt"/>
+              </a:rPr>
+              <a:t>)</a:t>
+            </a:r>
+            <a:endParaRPr lang="vi-VN" sz="3200" b="1" dirty="0">
               <a:solidFill>
                 <a:srgbClr val="000066"/>
               </a:solidFill>
+              <a:latin typeface="+mn-lt"/>
             </a:endParaRPr>
           </a:p>
         </p:txBody>
@@ -4401,7 +4411,7 @@
         <p:spPr>
           <a:xfrm>
             <a:off x="0" y="5253205"/>
-            <a:ext cx="12192000" cy="830997"/>
+            <a:ext cx="12192000" cy="584775"/>
           </a:xfrm>
           <a:prstGeom prst="rect">
             <a:avLst/>
@@ -4416,17 +4426,19 @@
           <a:p>
             <a:pPr algn="ctr"/>
             <a:r>
-              <a:rPr lang="en-US" sz="4800" b="1" dirty="0">
+              <a:rPr lang="en-US" sz="3200" b="1" dirty="0">
                 <a:solidFill>
                   <a:srgbClr val="000066"/>
                 </a:solidFill>
+                <a:latin typeface="+mn-lt"/>
               </a:rPr>
-              <a:t>( 1 )</a:t>
-            </a:r>
-            <a:endParaRPr lang="vi-VN" sz="4800" b="1" dirty="0">
+              <a:t>( 1 / 5 )</a:t>
+            </a:r>
+            <a:endParaRPr lang="vi-VN" sz="3200" b="1" dirty="0">
               <a:solidFill>
                 <a:srgbClr val="000066"/>
               </a:solidFill>
+              <a:latin typeface="+mn-lt"/>
             </a:endParaRPr>
           </a:p>
         </p:txBody>
@@ -4523,7 +4535,7 @@
         <p:spPr>
           <a:xfrm>
             <a:off x="0" y="5253205"/>
-            <a:ext cx="12192000" cy="830997"/>
+            <a:ext cx="12192000" cy="584775"/>
           </a:xfrm>
           <a:prstGeom prst="rect">
             <a:avLst/>
@@ -4538,33 +4550,37 @@
           <a:p>
             <a:pPr algn="ctr"/>
             <a:r>
-              <a:rPr lang="en-US" sz="4800" b="1" dirty="0">
+              <a:rPr lang="en-US" sz="3200" b="1" dirty="0">
                 <a:solidFill>
                   <a:srgbClr val="000066"/>
                 </a:solidFill>
+                <a:latin typeface="+mn-lt"/>
               </a:rPr>
               <a:t>( </a:t>
             </a:r>
             <a:r>
-              <a:rPr lang="en-US" sz="4800" b="1" dirty="0" smtClean="0">
+              <a:rPr lang="en-US" sz="3200" b="1" dirty="0">
                 <a:solidFill>
                   <a:srgbClr val="000066"/>
                 </a:solidFill>
+                <a:latin typeface="+mn-lt"/>
               </a:rPr>
               <a:t>2 </a:t>
             </a:r>
             <a:r>
-              <a:rPr lang="en-US" sz="4800" b="1" dirty="0">
+              <a:rPr lang="en-US" sz="3200" b="1" dirty="0">
                 <a:solidFill>
                   <a:srgbClr val="000066"/>
                 </a:solidFill>
+                <a:latin typeface="+mn-lt"/>
               </a:rPr>
-              <a:t>)</a:t>
-            </a:r>
-            <a:endParaRPr lang="vi-VN" sz="4800" b="1" dirty="0">
+              <a:t>/ 5 )</a:t>
+            </a:r>
+            <a:endParaRPr lang="vi-VN" sz="3200" b="1" dirty="0">
               <a:solidFill>
                 <a:srgbClr val="000066"/>
               </a:solidFill>
+              <a:latin typeface="+mn-lt"/>
             </a:endParaRPr>
           </a:p>
         </p:txBody>
@@ -4695,7 +4711,7 @@
         <p:spPr>
           <a:xfrm>
             <a:off x="0" y="5253205"/>
-            <a:ext cx="12192000" cy="830997"/>
+            <a:ext cx="12192000" cy="584775"/>
           </a:xfrm>
           <a:prstGeom prst="rect">
             <a:avLst/>
@@ -4710,33 +4726,19 @@
           <a:p>
             <a:pPr algn="ctr"/>
             <a:r>
-              <a:rPr lang="en-US" sz="4800" b="1" dirty="0">
+              <a:rPr lang="en-US" sz="3200" b="1" dirty="0">
                 <a:solidFill>
                   <a:srgbClr val="000066"/>
                 </a:solidFill>
+                <a:latin typeface="+mn-lt"/>
               </a:rPr>
-              <a:t>( </a:t>
-            </a:r>
-            <a:r>
-              <a:rPr lang="en-US" sz="4800" b="1" dirty="0" smtClean="0">
-                <a:solidFill>
-                  <a:srgbClr val="000066"/>
-                </a:solidFill>
-              </a:rPr>
-              <a:t>2 </a:t>
-            </a:r>
-            <a:r>
-              <a:rPr lang="en-US" sz="4800" b="1" dirty="0">
-                <a:solidFill>
-                  <a:srgbClr val="000066"/>
-                </a:solidFill>
-              </a:rPr>
-              <a:t>)</a:t>
-            </a:r>
-            <a:endParaRPr lang="vi-VN" sz="4800" b="1" dirty="0">
+              <a:t>( 2 / 5 )</a:t>
+            </a:r>
+            <a:endParaRPr lang="vi-VN" sz="3200" b="1" dirty="0">
               <a:solidFill>
                 <a:srgbClr val="000066"/>
               </a:solidFill>
+              <a:latin typeface="+mn-lt"/>
             </a:endParaRPr>
           </a:p>
         </p:txBody>
@@ -4833,7 +4835,7 @@
         <p:spPr>
           <a:xfrm>
             <a:off x="0" y="5253205"/>
-            <a:ext cx="12192000" cy="830997"/>
+            <a:ext cx="12192000" cy="584775"/>
           </a:xfrm>
           <a:prstGeom prst="rect">
             <a:avLst/>
@@ -4848,33 +4850,37 @@
           <a:p>
             <a:pPr algn="ctr"/>
             <a:r>
-              <a:rPr lang="en-US" sz="4800" b="1" dirty="0">
+              <a:rPr lang="en-US" sz="3200" b="1" dirty="0">
                 <a:solidFill>
                   <a:srgbClr val="000066"/>
                 </a:solidFill>
+                <a:latin typeface="+mn-lt"/>
               </a:rPr>
               <a:t>( </a:t>
             </a:r>
             <a:r>
-              <a:rPr lang="en-US" sz="4800" b="1" dirty="0" smtClean="0">
+              <a:rPr lang="en-US" sz="3200" b="1" dirty="0">
                 <a:solidFill>
                   <a:srgbClr val="000066"/>
                 </a:solidFill>
+                <a:latin typeface="+mn-lt"/>
               </a:rPr>
               <a:t>3 </a:t>
             </a:r>
             <a:r>
-              <a:rPr lang="en-US" sz="4800" b="1" dirty="0">
+              <a:rPr lang="en-US" sz="3200" b="1" dirty="0">
                 <a:solidFill>
                   <a:srgbClr val="000066"/>
                 </a:solidFill>
+                <a:latin typeface="+mn-lt"/>
               </a:rPr>
-              <a:t>)</a:t>
-            </a:r>
-            <a:endParaRPr lang="vi-VN" sz="4800" b="1" dirty="0">
+              <a:t>/ 5 )</a:t>
+            </a:r>
+            <a:endParaRPr lang="vi-VN" sz="3200" b="1" dirty="0">
               <a:solidFill>
                 <a:srgbClr val="000066"/>
               </a:solidFill>
+              <a:latin typeface="+mn-lt"/>
             </a:endParaRPr>
           </a:p>
         </p:txBody>
@@ -4999,7 +5005,7 @@
         <p:spPr>
           <a:xfrm>
             <a:off x="0" y="5253205"/>
-            <a:ext cx="12192000" cy="830997"/>
+            <a:ext cx="12192000" cy="584775"/>
           </a:xfrm>
           <a:prstGeom prst="rect">
             <a:avLst/>
@@ -5014,33 +5020,19 @@
           <a:p>
             <a:pPr algn="ctr"/>
             <a:r>
-              <a:rPr lang="en-US" sz="4800" b="1" dirty="0">
+              <a:rPr lang="en-US" sz="3200" b="1" dirty="0">
                 <a:solidFill>
                   <a:srgbClr val="000066"/>
                 </a:solidFill>
+                <a:latin typeface="+mn-lt"/>
               </a:rPr>
-              <a:t>( </a:t>
-            </a:r>
-            <a:r>
-              <a:rPr lang="en-US" sz="4800" b="1" dirty="0" smtClean="0">
-                <a:solidFill>
-                  <a:srgbClr val="000066"/>
-                </a:solidFill>
-              </a:rPr>
-              <a:t>3 </a:t>
-            </a:r>
-            <a:r>
-              <a:rPr lang="en-US" sz="4800" b="1" dirty="0">
-                <a:solidFill>
-                  <a:srgbClr val="000066"/>
-                </a:solidFill>
-              </a:rPr>
-              <a:t>)</a:t>
-            </a:r>
-            <a:endParaRPr lang="vi-VN" sz="4800" b="1" dirty="0">
+              <a:t>( 3 / 5 )</a:t>
+            </a:r>
+            <a:endParaRPr lang="vi-VN" sz="3200" b="1" dirty="0">
               <a:solidFill>
                 <a:srgbClr val="000066"/>
               </a:solidFill>
+              <a:latin typeface="+mn-lt"/>
             </a:endParaRPr>
           </a:p>
         </p:txBody>
@@ -5137,7 +5129,7 @@
         <p:spPr>
           <a:xfrm>
             <a:off x="0" y="5253205"/>
-            <a:ext cx="12192000" cy="830997"/>
+            <a:ext cx="12192000" cy="584775"/>
           </a:xfrm>
           <a:prstGeom prst="rect">
             <a:avLst/>
@@ -5152,33 +5144,37 @@
           <a:p>
             <a:pPr algn="ctr"/>
             <a:r>
-              <a:rPr lang="en-US" sz="4800" b="1" dirty="0">
+              <a:rPr lang="en-US" sz="3200" b="1" dirty="0">
                 <a:solidFill>
                   <a:srgbClr val="000066"/>
                 </a:solidFill>
+                <a:latin typeface="+mn-lt"/>
               </a:rPr>
               <a:t>( </a:t>
             </a:r>
             <a:r>
-              <a:rPr lang="en-US" sz="4800" b="1" dirty="0" smtClean="0">
+              <a:rPr lang="en-US" sz="3200" b="1" dirty="0">
                 <a:solidFill>
                   <a:srgbClr val="000066"/>
                 </a:solidFill>
+                <a:latin typeface="+mn-lt"/>
               </a:rPr>
               <a:t>4 </a:t>
             </a:r>
             <a:r>
-              <a:rPr lang="en-US" sz="4800" b="1" dirty="0">
+              <a:rPr lang="en-US" sz="3200" b="1" dirty="0">
                 <a:solidFill>
                   <a:srgbClr val="000066"/>
                 </a:solidFill>
+                <a:latin typeface="+mn-lt"/>
               </a:rPr>
-              <a:t>)</a:t>
-            </a:r>
-            <a:endParaRPr lang="vi-VN" sz="4800" b="1" dirty="0">
+              <a:t>/ 5 )</a:t>
+            </a:r>
+            <a:endParaRPr lang="vi-VN" sz="3200" b="1" dirty="0">
               <a:solidFill>
                 <a:srgbClr val="000066"/>
               </a:solidFill>
+              <a:latin typeface="+mn-lt"/>
             </a:endParaRPr>
           </a:p>
         </p:txBody>
@@ -5303,7 +5299,7 @@
         <p:spPr>
           <a:xfrm>
             <a:off x="0" y="5253205"/>
-            <a:ext cx="12192000" cy="830997"/>
+            <a:ext cx="12192000" cy="584775"/>
           </a:xfrm>
           <a:prstGeom prst="rect">
             <a:avLst/>
@@ -5318,33 +5314,19 @@
           <a:p>
             <a:pPr algn="ctr"/>
             <a:r>
-              <a:rPr lang="en-US" sz="4800" b="1" dirty="0">
+              <a:rPr lang="en-US" sz="3200" b="1" dirty="0">
                 <a:solidFill>
                   <a:srgbClr val="000066"/>
                 </a:solidFill>
+                <a:latin typeface="+mn-lt"/>
               </a:rPr>
-              <a:t>( </a:t>
-            </a:r>
-            <a:r>
-              <a:rPr lang="en-US" sz="4800" b="1" dirty="0" smtClean="0">
-                <a:solidFill>
-                  <a:srgbClr val="000066"/>
-                </a:solidFill>
-              </a:rPr>
-              <a:t>4 </a:t>
-            </a:r>
-            <a:r>
-              <a:rPr lang="en-US" sz="4800" b="1" dirty="0">
-                <a:solidFill>
-                  <a:srgbClr val="000066"/>
-                </a:solidFill>
-              </a:rPr>
-              <a:t>)</a:t>
-            </a:r>
-            <a:endParaRPr lang="vi-VN" sz="4800" b="1" dirty="0">
+              <a:t>( 4 / 5 )</a:t>
+            </a:r>
+            <a:endParaRPr lang="vi-VN" sz="3200" b="1" dirty="0">
               <a:solidFill>
                 <a:srgbClr val="000066"/>
               </a:solidFill>
+              <a:latin typeface="+mn-lt"/>
             </a:endParaRPr>
           </a:p>
         </p:txBody>
